--- a/doc/Design pattern.pptx
+++ b/doc/Design pattern.pptx
@@ -5,21 +5,27 @@
     <p:sldMasterId id="2147483648" r:id="rId1"/>
   </p:sldMasterIdLst>
   <p:notesMasterIdLst>
-    <p:notesMasterId r:id="rId14"/>
+    <p:notesMasterId r:id="rId20"/>
   </p:notesMasterIdLst>
   <p:sldIdLst>
     <p:sldId id="256" r:id="rId2"/>
-    <p:sldId id="257" r:id="rId3"/>
-    <p:sldId id="258" r:id="rId4"/>
-    <p:sldId id="265" r:id="rId5"/>
-    <p:sldId id="266" r:id="rId6"/>
-    <p:sldId id="267" r:id="rId7"/>
-    <p:sldId id="259" r:id="rId8"/>
-    <p:sldId id="260" r:id="rId9"/>
-    <p:sldId id="261" r:id="rId10"/>
-    <p:sldId id="262" r:id="rId11"/>
-    <p:sldId id="263" r:id="rId12"/>
-    <p:sldId id="264" r:id="rId13"/>
+    <p:sldId id="268" r:id="rId3"/>
+    <p:sldId id="269" r:id="rId4"/>
+    <p:sldId id="270" r:id="rId5"/>
+    <p:sldId id="257" r:id="rId6"/>
+    <p:sldId id="258" r:id="rId7"/>
+    <p:sldId id="265" r:id="rId8"/>
+    <p:sldId id="266" r:id="rId9"/>
+    <p:sldId id="267" r:id="rId10"/>
+    <p:sldId id="259" r:id="rId11"/>
+    <p:sldId id="272" r:id="rId12"/>
+    <p:sldId id="273" r:id="rId13"/>
+    <p:sldId id="260" r:id="rId14"/>
+    <p:sldId id="261" r:id="rId15"/>
+    <p:sldId id="262" r:id="rId16"/>
+    <p:sldId id="263" r:id="rId17"/>
+    <p:sldId id="264" r:id="rId18"/>
+    <p:sldId id="271" r:id="rId19"/>
   </p:sldIdLst>
   <p:sldSz cx="9144000" cy="6858000" type="screen4x3"/>
   <p:notesSz cx="6858000" cy="9144000"/>
@@ -515,6 +521,1393 @@
           <a:bodyPr/>
           <a:lstStyle/>
           <a:p>
+            <a:endParaRPr lang="ko-KR" altLang="en-US" dirty="0"/>
+          </a:p>
+        </p:txBody>
+      </p:sp>
+      <p:sp>
+        <p:nvSpPr>
+          <p:cNvPr id="4" name="슬라이드 번호 개체 틀 3"/>
+          <p:cNvSpPr>
+            <a:spLocks noGrp="1"/>
+          </p:cNvSpPr>
+          <p:nvPr>
+            <p:ph type="sldNum" sz="quarter" idx="10"/>
+          </p:nvPr>
+        </p:nvSpPr>
+        <p:spPr/>
+        <p:txBody>
+          <a:bodyPr/>
+          <a:lstStyle/>
+          <a:p>
+            <a:fld id="{DEA4167A-FAD6-462F-8F3A-5F6FA7F57024}" type="slidenum">
+              <a:rPr lang="ko-KR" altLang="en-US" smtClean="0"/>
+              <a:t>1</a:t>
+            </a:fld>
+            <a:endParaRPr lang="ko-KR" altLang="en-US"/>
+          </a:p>
+        </p:txBody>
+      </p:sp>
+    </p:spTree>
+    <p:extLst>
+      <p:ext uri="{BB962C8B-B14F-4D97-AF65-F5344CB8AC3E}">
+        <p14:creationId xmlns:p14="http://schemas.microsoft.com/office/powerpoint/2010/main" val="2415334334"/>
+      </p:ext>
+    </p:extLst>
+  </p:cSld>
+  <p:clrMapOvr>
+    <a:masterClrMapping/>
+  </p:clrMapOvr>
+</p:notes>
+</file>
+
+<file path=ppt/notesSlides/notesSlide10.xml><?xml version="1.0" encoding="utf-8"?>
+<p:notes xmlns:a="http://schemas.openxmlformats.org/drawingml/2006/main" xmlns:r="http://schemas.openxmlformats.org/officeDocument/2006/relationships" xmlns:p="http://schemas.openxmlformats.org/presentationml/2006/main">
+  <p:cSld>
+    <p:spTree>
+      <p:nvGrpSpPr>
+        <p:cNvPr id="1" name=""/>
+        <p:cNvGrpSpPr/>
+        <p:nvPr/>
+      </p:nvGrpSpPr>
+      <p:grpSpPr>
+        <a:xfrm>
+          <a:off x="0" y="0"/>
+          <a:ext cx="0" cy="0"/>
+          <a:chOff x="0" y="0"/>
+          <a:chExt cx="0" cy="0"/>
+        </a:xfrm>
+      </p:grpSpPr>
+      <p:sp>
+        <p:nvSpPr>
+          <p:cNvPr id="2" name="슬라이드 이미지 개체 틀 1"/>
+          <p:cNvSpPr>
+            <a:spLocks noGrp="1" noRot="1" noChangeAspect="1"/>
+          </p:cNvSpPr>
+          <p:nvPr>
+            <p:ph type="sldImg"/>
+          </p:nvPr>
+        </p:nvSpPr>
+        <p:spPr/>
+      </p:sp>
+      <p:sp>
+        <p:nvSpPr>
+          <p:cNvPr id="3" name="슬라이드 노트 개체 틀 2"/>
+          <p:cNvSpPr>
+            <a:spLocks noGrp="1"/>
+          </p:cNvSpPr>
+          <p:nvPr>
+            <p:ph type="body" idx="1"/>
+          </p:nvPr>
+        </p:nvSpPr>
+        <p:spPr/>
+        <p:txBody>
+          <a:bodyPr/>
+          <a:lstStyle/>
+          <a:p>
+            <a:r>
+              <a:rPr lang="ko-KR" altLang="en-US" dirty="0" smtClean="0"/>
+              <a:t>런타임 시에 프로그램 실행 과정에서 결정된 </a:t>
+            </a:r>
+            <a:r>
+              <a:rPr lang="ko-KR" altLang="en-US" dirty="0" err="1" smtClean="0"/>
+              <a:t>컨텍스트</a:t>
+            </a:r>
+            <a:r>
+              <a:rPr lang="ko-KR" altLang="en-US" dirty="0" smtClean="0"/>
+              <a:t> 기반으로 수행된다</a:t>
+            </a:r>
+            <a:r>
+              <a:rPr lang="en-US" altLang="ko-KR" dirty="0" smtClean="0"/>
+              <a:t>.</a:t>
+            </a:r>
+          </a:p>
+          <a:p>
+            <a:endParaRPr lang="en-US" altLang="ko-KR" dirty="0" smtClean="0"/>
+          </a:p>
+          <a:p>
+            <a:r>
+              <a:rPr lang="ko-KR" altLang="en-US" dirty="0" smtClean="0"/>
+              <a:t>서로 다른 알고리즘의 클래스</a:t>
+            </a:r>
+            <a:r>
+              <a:rPr lang="en-US" altLang="ko-KR" dirty="0" smtClean="0"/>
+              <a:t>(</a:t>
+            </a:r>
+            <a:r>
+              <a:rPr lang="ko-KR" altLang="en-US" dirty="0" smtClean="0"/>
+              <a:t>전략</a:t>
+            </a:r>
+            <a:r>
+              <a:rPr lang="en-US" altLang="ko-KR" dirty="0" smtClean="0"/>
+              <a:t>)</a:t>
+            </a:r>
+            <a:r>
+              <a:rPr lang="ko-KR" altLang="en-US" dirty="0" smtClean="0"/>
+              <a:t>를 캡슐화 하고 런타임 시에 결정한다</a:t>
+            </a:r>
+            <a:r>
+              <a:rPr lang="en-US" altLang="ko-KR" dirty="0" smtClean="0"/>
+              <a:t>.</a:t>
+            </a:r>
+            <a:r>
+              <a:rPr lang="ko-KR" altLang="en-US" dirty="0" smtClean="0"/>
+              <a:t> </a:t>
+            </a:r>
+            <a:endParaRPr lang="ko-KR" altLang="en-US" dirty="0"/>
+          </a:p>
+        </p:txBody>
+      </p:sp>
+      <p:sp>
+        <p:nvSpPr>
+          <p:cNvPr id="4" name="슬라이드 번호 개체 틀 3"/>
+          <p:cNvSpPr>
+            <a:spLocks noGrp="1"/>
+          </p:cNvSpPr>
+          <p:nvPr>
+            <p:ph type="sldNum" sz="quarter" idx="10"/>
+          </p:nvPr>
+        </p:nvSpPr>
+        <p:spPr/>
+        <p:txBody>
+          <a:bodyPr/>
+          <a:lstStyle/>
+          <a:p>
+            <a:fld id="{DEA4167A-FAD6-462F-8F3A-5F6FA7F57024}" type="slidenum">
+              <a:rPr lang="ko-KR" altLang="en-US" smtClean="0"/>
+              <a:t>10</a:t>
+            </a:fld>
+            <a:endParaRPr lang="ko-KR" altLang="en-US"/>
+          </a:p>
+        </p:txBody>
+      </p:sp>
+    </p:spTree>
+    <p:extLst>
+      <p:ext uri="{BB962C8B-B14F-4D97-AF65-F5344CB8AC3E}">
+        <p14:creationId xmlns:p14="http://schemas.microsoft.com/office/powerpoint/2010/main" val="429792743"/>
+      </p:ext>
+    </p:extLst>
+  </p:cSld>
+  <p:clrMapOvr>
+    <a:masterClrMapping/>
+  </p:clrMapOvr>
+</p:notes>
+</file>
+
+<file path=ppt/notesSlides/notesSlide11.xml><?xml version="1.0" encoding="utf-8"?>
+<p:notes xmlns:a="http://schemas.openxmlformats.org/drawingml/2006/main" xmlns:r="http://schemas.openxmlformats.org/officeDocument/2006/relationships" xmlns:p="http://schemas.openxmlformats.org/presentationml/2006/main">
+  <p:cSld>
+    <p:spTree>
+      <p:nvGrpSpPr>
+        <p:cNvPr id="1" name=""/>
+        <p:cNvGrpSpPr/>
+        <p:nvPr/>
+      </p:nvGrpSpPr>
+      <p:grpSpPr>
+        <a:xfrm>
+          <a:off x="0" y="0"/>
+          <a:ext cx="0" cy="0"/>
+          <a:chOff x="0" y="0"/>
+          <a:chExt cx="0" cy="0"/>
+        </a:xfrm>
+      </p:grpSpPr>
+      <p:sp>
+        <p:nvSpPr>
+          <p:cNvPr id="2" name="슬라이드 이미지 개체 틀 1"/>
+          <p:cNvSpPr>
+            <a:spLocks noGrp="1" noRot="1" noChangeAspect="1"/>
+          </p:cNvSpPr>
+          <p:nvPr>
+            <p:ph type="sldImg"/>
+          </p:nvPr>
+        </p:nvSpPr>
+        <p:spPr/>
+      </p:sp>
+      <p:sp>
+        <p:nvSpPr>
+          <p:cNvPr id="3" name="슬라이드 노트 개체 틀 2"/>
+          <p:cNvSpPr>
+            <a:spLocks noGrp="1"/>
+          </p:cNvSpPr>
+          <p:nvPr>
+            <p:ph type="body" idx="1"/>
+          </p:nvPr>
+        </p:nvSpPr>
+        <p:spPr/>
+        <p:txBody>
+          <a:bodyPr/>
+          <a:lstStyle/>
+          <a:p>
+            <a:pPr marL="0" marR="0" indent="0" algn="l" defTabSz="914400" rtl="0" eaLnBrk="1" fontAlgn="auto" latinLnBrk="1" hangingPunct="1">
+              <a:lnSpc>
+                <a:spcPct val="100000"/>
+              </a:lnSpc>
+              <a:spcBef>
+                <a:spcPts val="0"/>
+              </a:spcBef>
+              <a:spcAft>
+                <a:spcPts val="0"/>
+              </a:spcAft>
+              <a:buClrTx/>
+              <a:buSzTx/>
+              <a:buFontTx/>
+              <a:buNone/>
+              <a:tabLst/>
+              <a:defRPr/>
+            </a:pPr>
+            <a:r>
+              <a:rPr lang="ko-KR" altLang="en-US" sz="1200" dirty="0" smtClean="0">
+                <a:solidFill>
+                  <a:schemeClr val="tx2"/>
+                </a:solidFill>
+                <a:latin typeface="Comic Sans MS" pitchFamily="66" charset="0"/>
+              </a:rPr>
+              <a:t>하나의 클래스에서 단 하나의 객체만이 생성되도록 보장하여 모든 외부 객체가 이를 공유할 수 있게 한다</a:t>
+            </a:r>
+            <a:r>
+              <a:rPr lang="en-US" altLang="ko-KR" sz="1200" dirty="0" smtClean="0">
+                <a:solidFill>
+                  <a:schemeClr val="tx2"/>
+                </a:solidFill>
+                <a:latin typeface="Comic Sans MS" pitchFamily="66" charset="0"/>
+              </a:rPr>
+              <a:t>.</a:t>
+            </a:r>
+          </a:p>
+          <a:p>
+            <a:endParaRPr lang="en-US" altLang="ko-KR" dirty="0" smtClean="0"/>
+          </a:p>
+          <a:p>
+            <a:r>
+              <a:rPr lang="ko-KR" altLang="en-US" dirty="0" smtClean="0"/>
+              <a:t>클래스가 단 하나의 </a:t>
+            </a:r>
+            <a:r>
+              <a:rPr lang="ko-KR" altLang="en-US" dirty="0" err="1" smtClean="0"/>
+              <a:t>인스턴스</a:t>
+            </a:r>
+            <a:r>
+              <a:rPr lang="ko-KR" altLang="en-US" dirty="0" smtClean="0"/>
+              <a:t> 만을 가지고</a:t>
+            </a:r>
+            <a:r>
+              <a:rPr lang="en-US" altLang="ko-KR" dirty="0" smtClean="0"/>
+              <a:t>, </a:t>
+            </a:r>
+            <a:r>
+              <a:rPr lang="ko-KR" altLang="en-US" dirty="0" smtClean="0"/>
+              <a:t>이를 액세스 할 수 있는 글로벌 액세스 포인트를 제공한다</a:t>
+            </a:r>
+            <a:r>
+              <a:rPr lang="en-US" altLang="ko-KR" dirty="0" smtClean="0"/>
+              <a:t>.</a:t>
+            </a:r>
+          </a:p>
+          <a:p>
+            <a:endParaRPr lang="en-US" altLang="ko-KR" dirty="0" smtClean="0"/>
+          </a:p>
+          <a:p>
+            <a:r>
+              <a:rPr lang="ko-KR" altLang="en-US" dirty="0" err="1" smtClean="0"/>
+              <a:t>싱글톤</a:t>
+            </a:r>
+            <a:r>
+              <a:rPr lang="ko-KR" altLang="en-US" dirty="0" smtClean="0"/>
+              <a:t> 클래스를 정의한다</a:t>
+            </a:r>
+            <a:r>
+              <a:rPr lang="en-US" altLang="ko-KR" dirty="0" smtClean="0"/>
+              <a:t>. </a:t>
+            </a:r>
+          </a:p>
+          <a:p>
+            <a:r>
+              <a:rPr lang="ko-KR" altLang="en-US" dirty="0" err="1" smtClean="0"/>
+              <a:t>싱글톤</a:t>
+            </a:r>
+            <a:r>
+              <a:rPr lang="ko-KR" altLang="en-US" dirty="0" smtClean="0"/>
+              <a:t> 클래스는 정적 </a:t>
+            </a:r>
+            <a:r>
+              <a:rPr lang="ko-KR" altLang="en-US" dirty="0" err="1" smtClean="0"/>
+              <a:t>메소드</a:t>
+            </a:r>
+            <a:r>
+              <a:rPr lang="ko-KR" altLang="en-US" dirty="0" smtClean="0"/>
+              <a:t> </a:t>
+            </a:r>
+            <a:r>
+              <a:rPr lang="en-US" altLang="ko-KR" dirty="0" err="1" smtClean="0"/>
+              <a:t>getInstance</a:t>
+            </a:r>
+            <a:r>
+              <a:rPr lang="en-US" altLang="ko-KR" dirty="0" smtClean="0"/>
+              <a:t>()</a:t>
+            </a:r>
+            <a:r>
+              <a:rPr lang="ko-KR" altLang="en-US" dirty="0" smtClean="0"/>
+              <a:t>가 있다</a:t>
+            </a:r>
+            <a:r>
+              <a:rPr lang="en-US" altLang="ko-KR" dirty="0" smtClean="0"/>
+              <a:t>. </a:t>
+            </a:r>
+            <a:r>
+              <a:rPr lang="ko-KR" altLang="en-US" dirty="0" smtClean="0"/>
+              <a:t>이 </a:t>
+            </a:r>
+            <a:r>
+              <a:rPr lang="ko-KR" altLang="en-US" dirty="0" err="1" smtClean="0"/>
+              <a:t>메소드는</a:t>
+            </a:r>
+            <a:r>
+              <a:rPr lang="ko-KR" altLang="en-US" dirty="0" smtClean="0"/>
+              <a:t> 클래스의 </a:t>
+            </a:r>
+            <a:r>
+              <a:rPr lang="ko-KR" altLang="en-US" dirty="0" err="1" smtClean="0"/>
+              <a:t>인스턴스를</a:t>
+            </a:r>
+            <a:r>
+              <a:rPr lang="ko-KR" altLang="en-US" dirty="0" smtClean="0"/>
+              <a:t> 생성해서 돌려준다</a:t>
+            </a:r>
+            <a:r>
+              <a:rPr lang="en-US" altLang="ko-KR" dirty="0" smtClean="0"/>
+              <a:t>. </a:t>
+            </a:r>
+            <a:r>
+              <a:rPr lang="ko-KR" altLang="en-US" dirty="0" smtClean="0"/>
+              <a:t>이미 생성되어 있다면 단순히 </a:t>
+            </a:r>
+            <a:r>
+              <a:rPr lang="ko-KR" altLang="en-US" dirty="0" err="1" smtClean="0"/>
+              <a:t>레퍼런스</a:t>
+            </a:r>
+            <a:r>
+              <a:rPr lang="en-US" altLang="ko-KR" dirty="0" smtClean="0"/>
+              <a:t>(reference)</a:t>
+            </a:r>
+            <a:r>
+              <a:rPr lang="ko-KR" altLang="en-US" dirty="0" smtClean="0"/>
+              <a:t>만 돌려준다</a:t>
+            </a:r>
+            <a:r>
+              <a:rPr lang="en-US" altLang="ko-KR" dirty="0" smtClean="0"/>
+              <a:t>.</a:t>
+            </a:r>
+          </a:p>
+          <a:p>
+            <a:r>
+              <a:rPr lang="ko-KR" altLang="en-US" dirty="0" err="1" smtClean="0"/>
+              <a:t>싱글톤</a:t>
+            </a:r>
+            <a:r>
+              <a:rPr lang="ko-KR" altLang="en-US" dirty="0" smtClean="0"/>
+              <a:t> 클래스의 </a:t>
+            </a:r>
+            <a:r>
+              <a:rPr lang="ko-KR" altLang="en-US" dirty="0" err="1" smtClean="0"/>
+              <a:t>인스턴스를</a:t>
+            </a:r>
+            <a:r>
+              <a:rPr lang="ko-KR" altLang="en-US" dirty="0" smtClean="0"/>
+              <a:t> 임의로 생성하지 못하도록 </a:t>
+            </a:r>
+            <a:r>
+              <a:rPr lang="ko-KR" altLang="en-US" dirty="0" err="1" smtClean="0"/>
+              <a:t>생성자</a:t>
+            </a:r>
+            <a:r>
+              <a:rPr lang="en-US" altLang="ko-KR" dirty="0" smtClean="0"/>
+              <a:t>(constructor)</a:t>
+            </a:r>
+            <a:r>
+              <a:rPr lang="ko-KR" altLang="en-US" dirty="0" smtClean="0"/>
+              <a:t>를 </a:t>
+            </a:r>
+            <a:r>
+              <a:rPr lang="en-US" altLang="ko-KR" dirty="0" smtClean="0"/>
+              <a:t>private</a:t>
+            </a:r>
+            <a:r>
+              <a:rPr lang="ko-KR" altLang="en-US" dirty="0" smtClean="0"/>
+              <a:t>으로 만든다</a:t>
+            </a:r>
+            <a:r>
+              <a:rPr lang="en-US" altLang="ko-KR" dirty="0" smtClean="0"/>
+              <a:t>.</a:t>
+            </a:r>
+          </a:p>
+          <a:p>
+            <a:endParaRPr lang="ko-KR" altLang="en-US" dirty="0"/>
+          </a:p>
+        </p:txBody>
+      </p:sp>
+      <p:sp>
+        <p:nvSpPr>
+          <p:cNvPr id="4" name="슬라이드 번호 개체 틀 3"/>
+          <p:cNvSpPr>
+            <a:spLocks noGrp="1"/>
+          </p:cNvSpPr>
+          <p:nvPr>
+            <p:ph type="sldNum" sz="quarter" idx="10"/>
+          </p:nvPr>
+        </p:nvSpPr>
+        <p:spPr/>
+        <p:txBody>
+          <a:bodyPr/>
+          <a:lstStyle/>
+          <a:p>
+            <a:fld id="{DEA4167A-FAD6-462F-8F3A-5F6FA7F57024}" type="slidenum">
+              <a:rPr lang="ko-KR" altLang="en-US" smtClean="0"/>
+              <a:t>15</a:t>
+            </a:fld>
+            <a:endParaRPr lang="ko-KR" altLang="en-US"/>
+          </a:p>
+        </p:txBody>
+      </p:sp>
+    </p:spTree>
+    <p:extLst>
+      <p:ext uri="{BB962C8B-B14F-4D97-AF65-F5344CB8AC3E}">
+        <p14:creationId xmlns:p14="http://schemas.microsoft.com/office/powerpoint/2010/main" val="1750047618"/>
+      </p:ext>
+    </p:extLst>
+  </p:cSld>
+  <p:clrMapOvr>
+    <a:masterClrMapping/>
+  </p:clrMapOvr>
+</p:notes>
+</file>
+
+<file path=ppt/notesSlides/notesSlide12.xml><?xml version="1.0" encoding="utf-8"?>
+<p:notes xmlns:a="http://schemas.openxmlformats.org/drawingml/2006/main" xmlns:r="http://schemas.openxmlformats.org/officeDocument/2006/relationships" xmlns:p="http://schemas.openxmlformats.org/presentationml/2006/main">
+  <p:cSld>
+    <p:spTree>
+      <p:nvGrpSpPr>
+        <p:cNvPr id="1" name=""/>
+        <p:cNvGrpSpPr/>
+        <p:nvPr/>
+      </p:nvGrpSpPr>
+      <p:grpSpPr>
+        <a:xfrm>
+          <a:off x="0" y="0"/>
+          <a:ext cx="0" cy="0"/>
+          <a:chOff x="0" y="0"/>
+          <a:chExt cx="0" cy="0"/>
+        </a:xfrm>
+      </p:grpSpPr>
+      <p:sp>
+        <p:nvSpPr>
+          <p:cNvPr id="2" name="슬라이드 이미지 개체 틀 1"/>
+          <p:cNvSpPr>
+            <a:spLocks noGrp="1" noRot="1" noChangeAspect="1"/>
+          </p:cNvSpPr>
+          <p:nvPr>
+            <p:ph type="sldImg"/>
+          </p:nvPr>
+        </p:nvSpPr>
+        <p:spPr/>
+      </p:sp>
+      <p:sp>
+        <p:nvSpPr>
+          <p:cNvPr id="3" name="슬라이드 노트 개체 틀 2"/>
+          <p:cNvSpPr>
+            <a:spLocks noGrp="1"/>
+          </p:cNvSpPr>
+          <p:nvPr>
+            <p:ph type="body" idx="1"/>
+          </p:nvPr>
+        </p:nvSpPr>
+        <p:spPr/>
+        <p:txBody>
+          <a:bodyPr/>
+          <a:lstStyle/>
+          <a:p>
+            <a:pPr fontAlgn="auto">
+              <a:spcBef>
+                <a:spcPts val="0"/>
+              </a:spcBef>
+              <a:spcAft>
+                <a:spcPts val="0"/>
+              </a:spcAft>
+              <a:buFontTx/>
+              <a:buNone/>
+              <a:defRPr/>
+            </a:pPr>
+            <a:r>
+              <a:rPr lang="ko-KR" altLang="en-US" sz="1200" b="1" dirty="0" smtClean="0">
+                <a:latin typeface="굴림" pitchFamily="50" charset="-127"/>
+                <a:ea typeface="굴림" pitchFamily="50" charset="-127"/>
+              </a:rPr>
+              <a:t>어떤 상태를 관찰하고 있다가</a:t>
+            </a:r>
+            <a:r>
+              <a:rPr lang="en-US" altLang="ko-KR" sz="1200" b="1" dirty="0" smtClean="0">
+                <a:latin typeface="굴림" pitchFamily="50" charset="-127"/>
+                <a:ea typeface="굴림" pitchFamily="50" charset="-127"/>
+              </a:rPr>
+              <a:t>,</a:t>
+            </a:r>
+            <a:r>
+              <a:rPr lang="ko-KR" altLang="en-US" sz="1200" b="1" dirty="0" smtClean="0">
+                <a:latin typeface="굴림" pitchFamily="50" charset="-127"/>
+                <a:ea typeface="굴림" pitchFamily="50" charset="-127"/>
+              </a:rPr>
+              <a:t>상태가 업데이트 되면 </a:t>
+            </a:r>
+          </a:p>
+          <a:p>
+            <a:pPr fontAlgn="auto">
+              <a:spcBef>
+                <a:spcPts val="0"/>
+              </a:spcBef>
+              <a:spcAft>
+                <a:spcPts val="0"/>
+              </a:spcAft>
+              <a:buFontTx/>
+              <a:buNone/>
+              <a:defRPr/>
+            </a:pPr>
+            <a:r>
+              <a:rPr lang="ko-KR" altLang="en-US" sz="1200" b="1" dirty="0" smtClean="0">
+                <a:latin typeface="굴림" pitchFamily="50" charset="-127"/>
+                <a:ea typeface="굴림" pitchFamily="50" charset="-127"/>
+              </a:rPr>
+              <a:t>   관찰하고 있던 다른 클래스가 동적으로 반응하도록  </a:t>
+            </a:r>
+            <a:r>
+              <a:rPr lang="ko-KR" altLang="en-US" sz="1200" b="1" dirty="0" err="1" smtClean="0">
+                <a:latin typeface="굴림" pitchFamily="50" charset="-127"/>
+                <a:ea typeface="굴림" pitchFamily="50" charset="-127"/>
+              </a:rPr>
+              <a:t>하는것이</a:t>
+            </a:r>
+            <a:r>
+              <a:rPr lang="ko-KR" altLang="en-US" sz="1200" b="1" dirty="0" smtClean="0">
+                <a:latin typeface="굴림" pitchFamily="50" charset="-127"/>
+                <a:ea typeface="굴림" pitchFamily="50" charset="-127"/>
+              </a:rPr>
+              <a:t>  주 목적이다</a:t>
+            </a:r>
+            <a:r>
+              <a:rPr lang="en-US" altLang="ko-KR" sz="1200" b="1" dirty="0" smtClean="0">
+                <a:latin typeface="굴림" pitchFamily="50" charset="-127"/>
+                <a:ea typeface="굴림" pitchFamily="50" charset="-127"/>
+              </a:rPr>
+              <a:t>.</a:t>
+            </a:r>
+            <a:r>
+              <a:rPr lang="ko-KR" altLang="en-US" sz="1200" b="1" dirty="0" smtClean="0">
+                <a:latin typeface="굴림" pitchFamily="50" charset="-127"/>
+                <a:ea typeface="굴림" pitchFamily="50" charset="-127"/>
+              </a:rPr>
+              <a:t> </a:t>
+            </a:r>
+          </a:p>
+          <a:p>
+            <a:pPr fontAlgn="auto">
+              <a:spcBef>
+                <a:spcPts val="0"/>
+              </a:spcBef>
+              <a:spcAft>
+                <a:spcPts val="0"/>
+              </a:spcAft>
+              <a:buFontTx/>
+              <a:buNone/>
+              <a:defRPr/>
+            </a:pPr>
+            <a:r>
+              <a:rPr lang="ko-KR" altLang="en-US" sz="1200" b="1" dirty="0" smtClean="0">
+                <a:latin typeface="굴림" pitchFamily="50" charset="-127"/>
+                <a:ea typeface="굴림" pitchFamily="50" charset="-127"/>
+              </a:rPr>
+              <a:t>  </a:t>
+            </a:r>
+          </a:p>
+          <a:p>
+            <a:pPr fontAlgn="auto">
+              <a:spcBef>
+                <a:spcPts val="0"/>
+              </a:spcBef>
+              <a:spcAft>
+                <a:spcPts val="0"/>
+              </a:spcAft>
+              <a:buFontTx/>
+              <a:buNone/>
+              <a:defRPr/>
+            </a:pPr>
+            <a:r>
+              <a:rPr lang="ko-KR" altLang="en-US" sz="1200" b="1" dirty="0" smtClean="0">
+                <a:latin typeface="굴림" pitchFamily="50" charset="-127"/>
+                <a:ea typeface="굴림" pitchFamily="50" charset="-127"/>
+              </a:rPr>
+              <a:t>    예를 들어 어떤 클래스의 상태가 사용자의 입력에 의해</a:t>
+            </a:r>
+          </a:p>
+          <a:p>
+            <a:pPr fontAlgn="auto">
+              <a:spcBef>
+                <a:spcPts val="0"/>
+              </a:spcBef>
+              <a:spcAft>
+                <a:spcPts val="0"/>
+              </a:spcAft>
+              <a:buFontTx/>
+              <a:buNone/>
+              <a:defRPr/>
+            </a:pPr>
+            <a:r>
+              <a:rPr lang="ko-KR" altLang="en-US" sz="1200" b="1" dirty="0" smtClean="0">
+                <a:latin typeface="굴림" pitchFamily="50" charset="-127"/>
+                <a:ea typeface="굴림" pitchFamily="50" charset="-127"/>
+              </a:rPr>
+              <a:t>   변하고</a:t>
+            </a:r>
+            <a:r>
+              <a:rPr lang="en-US" altLang="ko-KR" sz="1200" b="1" dirty="0" smtClean="0">
+                <a:latin typeface="굴림" pitchFamily="50" charset="-127"/>
+                <a:ea typeface="굴림" pitchFamily="50" charset="-127"/>
+              </a:rPr>
+              <a:t>,  </a:t>
+            </a:r>
+            <a:r>
+              <a:rPr lang="ko-KR" altLang="en-US" sz="1200" b="1" dirty="0" smtClean="0">
+                <a:latin typeface="굴림" pitchFamily="50" charset="-127"/>
+                <a:ea typeface="굴림" pitchFamily="50" charset="-127"/>
+              </a:rPr>
+              <a:t>이 변화를 다른 클래스 들이 업데이트 하려면 </a:t>
+            </a:r>
+          </a:p>
+          <a:p>
+            <a:pPr fontAlgn="auto">
+              <a:spcBef>
+                <a:spcPts val="0"/>
+              </a:spcBef>
+              <a:spcAft>
+                <a:spcPts val="0"/>
+              </a:spcAft>
+              <a:buFontTx/>
+              <a:buNone/>
+              <a:defRPr/>
+            </a:pPr>
+            <a:r>
+              <a:rPr lang="ko-KR" altLang="en-US" sz="1200" b="1" dirty="0" smtClean="0">
+                <a:latin typeface="굴림" pitchFamily="50" charset="-127"/>
+                <a:ea typeface="굴림" pitchFamily="50" charset="-127"/>
+              </a:rPr>
+              <a:t>   바로 이 </a:t>
+            </a:r>
+            <a:r>
+              <a:rPr lang="ko-KR" altLang="en-US" sz="1200" b="1" dirty="0" err="1" smtClean="0">
+                <a:latin typeface="굴림" pitchFamily="50" charset="-127"/>
+                <a:ea typeface="굴림" pitchFamily="50" charset="-127"/>
+              </a:rPr>
+              <a:t>옵저버</a:t>
+            </a:r>
+            <a:r>
+              <a:rPr lang="ko-KR" altLang="en-US" sz="1200" b="1" dirty="0" smtClean="0">
+                <a:latin typeface="굴림" pitchFamily="50" charset="-127"/>
+                <a:ea typeface="굴림" pitchFamily="50" charset="-127"/>
+              </a:rPr>
+              <a:t> 패턴을 사용한다</a:t>
+            </a:r>
+            <a:r>
+              <a:rPr lang="en-US" altLang="ko-KR" sz="1200" b="1" dirty="0" smtClean="0">
+                <a:latin typeface="굴림" pitchFamily="50" charset="-127"/>
+                <a:ea typeface="굴림" pitchFamily="50" charset="-127"/>
+              </a:rPr>
+              <a:t>.</a:t>
+            </a:r>
+          </a:p>
+          <a:p>
+            <a:endParaRPr lang="ko-KR" altLang="en-US" dirty="0"/>
+          </a:p>
+        </p:txBody>
+      </p:sp>
+      <p:sp>
+        <p:nvSpPr>
+          <p:cNvPr id="4" name="슬라이드 번호 개체 틀 3"/>
+          <p:cNvSpPr>
+            <a:spLocks noGrp="1"/>
+          </p:cNvSpPr>
+          <p:nvPr>
+            <p:ph type="sldNum" sz="quarter" idx="10"/>
+          </p:nvPr>
+        </p:nvSpPr>
+        <p:spPr/>
+        <p:txBody>
+          <a:bodyPr/>
+          <a:lstStyle/>
+          <a:p>
+            <a:fld id="{DEA4167A-FAD6-462F-8F3A-5F6FA7F57024}" type="slidenum">
+              <a:rPr lang="ko-KR" altLang="en-US" smtClean="0"/>
+              <a:t>18</a:t>
+            </a:fld>
+            <a:endParaRPr lang="ko-KR" altLang="en-US"/>
+          </a:p>
+        </p:txBody>
+      </p:sp>
+    </p:spTree>
+    <p:extLst>
+      <p:ext uri="{BB962C8B-B14F-4D97-AF65-F5344CB8AC3E}">
+        <p14:creationId xmlns:p14="http://schemas.microsoft.com/office/powerpoint/2010/main" val="3068863862"/>
+      </p:ext>
+    </p:extLst>
+  </p:cSld>
+  <p:clrMapOvr>
+    <a:masterClrMapping/>
+  </p:clrMapOvr>
+</p:notes>
+</file>
+
+<file path=ppt/notesSlides/notesSlide2.xml><?xml version="1.0" encoding="utf-8"?>
+<p:notes xmlns:a="http://schemas.openxmlformats.org/drawingml/2006/main" xmlns:r="http://schemas.openxmlformats.org/officeDocument/2006/relationships" xmlns:p="http://schemas.openxmlformats.org/presentationml/2006/main">
+  <p:cSld>
+    <p:spTree>
+      <p:nvGrpSpPr>
+        <p:cNvPr id="1" name=""/>
+        <p:cNvGrpSpPr/>
+        <p:nvPr/>
+      </p:nvGrpSpPr>
+      <p:grpSpPr>
+        <a:xfrm>
+          <a:off x="0" y="0"/>
+          <a:ext cx="0" cy="0"/>
+          <a:chOff x="0" y="0"/>
+          <a:chExt cx="0" cy="0"/>
+        </a:xfrm>
+      </p:grpSpPr>
+      <p:sp>
+        <p:nvSpPr>
+          <p:cNvPr id="2" name="슬라이드 이미지 개체 틀 1"/>
+          <p:cNvSpPr>
+            <a:spLocks noGrp="1" noRot="1" noChangeAspect="1"/>
+          </p:cNvSpPr>
+          <p:nvPr>
+            <p:ph type="sldImg"/>
+          </p:nvPr>
+        </p:nvSpPr>
+        <p:spPr/>
+      </p:sp>
+      <p:sp>
+        <p:nvSpPr>
+          <p:cNvPr id="3" name="슬라이드 노트 개체 틀 2"/>
+          <p:cNvSpPr>
+            <a:spLocks noGrp="1"/>
+          </p:cNvSpPr>
+          <p:nvPr>
+            <p:ph type="body" idx="1"/>
+          </p:nvPr>
+        </p:nvSpPr>
+        <p:spPr/>
+        <p:txBody>
+          <a:bodyPr/>
+          <a:lstStyle/>
+          <a:p>
+            <a:r>
+              <a:rPr lang="ko-KR" altLang="en-US" dirty="0" smtClean="0"/>
+              <a:t>개발자라면 누구나 프로젝트를 최대한 재활용하여 다른 프로젝트에 적용시켜 생산성이 높이고 싶어한다</a:t>
+            </a:r>
+            <a:r>
+              <a:rPr lang="en-US" altLang="ko-KR" dirty="0" smtClean="0"/>
+              <a:t>.</a:t>
+            </a:r>
+          </a:p>
+          <a:p>
+            <a:endParaRPr lang="en-US" altLang="ko-KR" dirty="0" smtClean="0"/>
+          </a:p>
+          <a:p>
+            <a:r>
+              <a:rPr lang="ko-KR" altLang="en-US" dirty="0" smtClean="0"/>
+              <a:t>그러나 쉽지 않다</a:t>
+            </a:r>
+            <a:r>
+              <a:rPr lang="en-US" altLang="ko-KR" dirty="0" smtClean="0"/>
+              <a:t>.</a:t>
+            </a:r>
+          </a:p>
+          <a:p>
+            <a:endParaRPr lang="en-US" altLang="ko-KR" dirty="0" smtClean="0"/>
+          </a:p>
+          <a:p>
+            <a:r>
+              <a:rPr lang="ko-KR" altLang="en-US" dirty="0" smtClean="0"/>
+              <a:t>소프트웨어 프로젝트는 그 특성상 비슷한 문제를 풀면서도 그 맥락에 따라 요구사항이 조금씩 달라지기 때문이다</a:t>
+            </a:r>
+            <a:r>
+              <a:rPr lang="en-US" altLang="ko-KR" dirty="0" smtClean="0"/>
+              <a:t>.</a:t>
+            </a:r>
+          </a:p>
+          <a:p>
+            <a:endParaRPr lang="en-US" altLang="ko-KR" dirty="0" smtClean="0"/>
+          </a:p>
+          <a:p>
+            <a:r>
+              <a:rPr lang="ko-KR" altLang="en-US" dirty="0" smtClean="0"/>
+              <a:t>완전한 모듈화는 어렵다</a:t>
+            </a:r>
+            <a:r>
+              <a:rPr lang="en-US" altLang="ko-KR" dirty="0" smtClean="0"/>
+              <a:t>.</a:t>
+            </a:r>
+          </a:p>
+          <a:p>
+            <a:endParaRPr lang="en-US" altLang="ko-KR" dirty="0" smtClean="0"/>
+          </a:p>
+          <a:p>
+            <a:r>
+              <a:rPr lang="ko-KR" altLang="en-US" dirty="0" smtClean="0"/>
+              <a:t>회원관리만 해도 회원이 갖는 속성</a:t>
+            </a:r>
+            <a:r>
+              <a:rPr lang="en-US" altLang="ko-KR" dirty="0" smtClean="0"/>
+              <a:t>, </a:t>
+            </a:r>
+            <a:r>
+              <a:rPr lang="ko-KR" altLang="en-US" dirty="0" smtClean="0"/>
+              <a:t>타입</a:t>
+            </a:r>
+            <a:r>
+              <a:rPr lang="en-US" altLang="ko-KR" dirty="0" smtClean="0"/>
+              <a:t>.. </a:t>
+            </a:r>
+            <a:r>
+              <a:rPr lang="en-US" altLang="ko-KR" dirty="0" err="1" smtClean="0"/>
+              <a:t>gntp</a:t>
+            </a:r>
+            <a:endParaRPr lang="en-US" altLang="ko-KR" dirty="0" smtClean="0"/>
+          </a:p>
+          <a:p>
+            <a:endParaRPr lang="en-US" altLang="ko-KR" dirty="0" smtClean="0"/>
+          </a:p>
+          <a:p>
+            <a:r>
+              <a:rPr lang="ko-KR" altLang="en-US" dirty="0" smtClean="0"/>
+              <a:t>개발자 들이 다른 방법을 생각</a:t>
+            </a:r>
+            <a:r>
+              <a:rPr lang="en-US" altLang="ko-KR" dirty="0" smtClean="0"/>
+              <a:t>. </a:t>
+            </a:r>
+          </a:p>
+          <a:p>
+            <a:endParaRPr lang="en-US" altLang="ko-KR" dirty="0" smtClean="0"/>
+          </a:p>
+          <a:p>
+            <a:r>
+              <a:rPr lang="ko-KR" altLang="en-US" dirty="0" smtClean="0"/>
+              <a:t>소스코드를 그대로 가져와서 사용하기가 어렵다면 최소한 범용적인 디자인 아이디어만이라도 공유 할 수 있지 않을까</a:t>
+            </a:r>
+            <a:r>
+              <a:rPr lang="en-US" altLang="ko-KR" dirty="0" smtClean="0"/>
+              <a:t>?</a:t>
+            </a:r>
+          </a:p>
+          <a:p>
+            <a:endParaRPr lang="en-US" altLang="ko-KR" dirty="0" smtClean="0"/>
+          </a:p>
+          <a:p>
+            <a:r>
+              <a:rPr lang="ko-KR" altLang="en-US" dirty="0" smtClean="0"/>
+              <a:t>그래서 시작된 것이 디자인 패턴이다</a:t>
+            </a:r>
+            <a:r>
+              <a:rPr lang="en-US" altLang="ko-KR" dirty="0" smtClean="0"/>
+              <a:t>.</a:t>
+            </a:r>
+            <a:endParaRPr lang="ko-KR" altLang="en-US" dirty="0" smtClean="0"/>
+          </a:p>
+          <a:p>
+            <a:endParaRPr lang="ko-KR" altLang="en-US" dirty="0"/>
+          </a:p>
+        </p:txBody>
+      </p:sp>
+      <p:sp>
+        <p:nvSpPr>
+          <p:cNvPr id="4" name="슬라이드 번호 개체 틀 3"/>
+          <p:cNvSpPr>
+            <a:spLocks noGrp="1"/>
+          </p:cNvSpPr>
+          <p:nvPr>
+            <p:ph type="sldNum" sz="quarter" idx="10"/>
+          </p:nvPr>
+        </p:nvSpPr>
+        <p:spPr/>
+        <p:txBody>
+          <a:bodyPr/>
+          <a:lstStyle/>
+          <a:p>
+            <a:fld id="{DEA4167A-FAD6-462F-8F3A-5F6FA7F57024}" type="slidenum">
+              <a:rPr lang="ko-KR" altLang="en-US" smtClean="0"/>
+              <a:t>2</a:t>
+            </a:fld>
+            <a:endParaRPr lang="ko-KR" altLang="en-US"/>
+          </a:p>
+        </p:txBody>
+      </p:sp>
+    </p:spTree>
+    <p:extLst>
+      <p:ext uri="{BB962C8B-B14F-4D97-AF65-F5344CB8AC3E}">
+        <p14:creationId xmlns:p14="http://schemas.microsoft.com/office/powerpoint/2010/main" val="1031541029"/>
+      </p:ext>
+    </p:extLst>
+  </p:cSld>
+  <p:clrMapOvr>
+    <a:masterClrMapping/>
+  </p:clrMapOvr>
+</p:notes>
+</file>
+
+<file path=ppt/notesSlides/notesSlide3.xml><?xml version="1.0" encoding="utf-8"?>
+<p:notes xmlns:a="http://schemas.openxmlformats.org/drawingml/2006/main" xmlns:r="http://schemas.openxmlformats.org/officeDocument/2006/relationships" xmlns:p="http://schemas.openxmlformats.org/presentationml/2006/main">
+  <p:cSld>
+    <p:spTree>
+      <p:nvGrpSpPr>
+        <p:cNvPr id="1" name=""/>
+        <p:cNvGrpSpPr/>
+        <p:nvPr/>
+      </p:nvGrpSpPr>
+      <p:grpSpPr>
+        <a:xfrm>
+          <a:off x="0" y="0"/>
+          <a:ext cx="0" cy="0"/>
+          <a:chOff x="0" y="0"/>
+          <a:chExt cx="0" cy="0"/>
+        </a:xfrm>
+      </p:grpSpPr>
+      <p:sp>
+        <p:nvSpPr>
+          <p:cNvPr id="2" name="슬라이드 이미지 개체 틀 1"/>
+          <p:cNvSpPr>
+            <a:spLocks noGrp="1" noRot="1" noChangeAspect="1"/>
+          </p:cNvSpPr>
+          <p:nvPr>
+            <p:ph type="sldImg"/>
+          </p:nvPr>
+        </p:nvSpPr>
+        <p:spPr/>
+      </p:sp>
+      <p:sp>
+        <p:nvSpPr>
+          <p:cNvPr id="3" name="슬라이드 노트 개체 틀 2"/>
+          <p:cNvSpPr>
+            <a:spLocks noGrp="1"/>
+          </p:cNvSpPr>
+          <p:nvPr>
+            <p:ph type="body" idx="1"/>
+          </p:nvPr>
+        </p:nvSpPr>
+        <p:spPr/>
+        <p:txBody>
+          <a:bodyPr/>
+          <a:lstStyle/>
+          <a:p>
+            <a:r>
+              <a:rPr lang="ko-KR" altLang="en-US" dirty="0" smtClean="0"/>
+              <a:t>개발자들의 커뮤니케이션 효율성 향상</a:t>
+            </a:r>
+            <a:endParaRPr lang="en-US" altLang="ko-KR" dirty="0" smtClean="0"/>
+          </a:p>
+          <a:p>
+            <a:endParaRPr lang="en-US" altLang="ko-KR" dirty="0" smtClean="0"/>
+          </a:p>
+          <a:p>
+            <a:r>
+              <a:rPr lang="ko-KR" altLang="en-US" dirty="0" smtClean="0"/>
+              <a:t>예전에는 특정 디자인 아이디어를 전달하기 위해서 회의를 열고 많은 시간을 할애해서 보드에 그림도 그리고 클래스 간의 상호 관계에 대해</a:t>
+            </a:r>
+            <a:endParaRPr lang="en-US" altLang="ko-KR" dirty="0" smtClean="0"/>
+          </a:p>
+          <a:p>
+            <a:r>
+              <a:rPr lang="ko-KR" altLang="en-US" dirty="0" smtClean="0"/>
+              <a:t>구구절절 설명해야 했는데</a:t>
+            </a:r>
+            <a:endParaRPr lang="en-US" altLang="ko-KR" dirty="0" smtClean="0"/>
+          </a:p>
+          <a:p>
+            <a:endParaRPr lang="en-US" altLang="ko-KR" dirty="0" smtClean="0"/>
+          </a:p>
+          <a:p>
+            <a:r>
+              <a:rPr lang="ko-KR" altLang="en-US" dirty="0" smtClean="0"/>
+              <a:t>도입 후 무슨 패턴이라는 한 단어로 축약 </a:t>
+            </a:r>
+            <a:endParaRPr lang="en-US" altLang="ko-KR" dirty="0" smtClean="0"/>
+          </a:p>
+          <a:p>
+            <a:endParaRPr lang="en-US" altLang="ko-KR" dirty="0" smtClean="0"/>
+          </a:p>
+          <a:p>
+            <a:r>
+              <a:rPr lang="en-US" altLang="ko-KR" dirty="0" smtClean="0"/>
+              <a:t>http://home.postech.ac.kr/~skyul/visitor_and_dynamic_dispatch/visitor_and_dynamic_dispatch.html</a:t>
+            </a:r>
+          </a:p>
+          <a:p>
+            <a:endParaRPr lang="ko-KR" altLang="en-US" dirty="0"/>
+          </a:p>
+        </p:txBody>
+      </p:sp>
+      <p:sp>
+        <p:nvSpPr>
+          <p:cNvPr id="4" name="슬라이드 번호 개체 틀 3"/>
+          <p:cNvSpPr>
+            <a:spLocks noGrp="1"/>
+          </p:cNvSpPr>
+          <p:nvPr>
+            <p:ph type="sldNum" sz="quarter" idx="10"/>
+          </p:nvPr>
+        </p:nvSpPr>
+        <p:spPr/>
+        <p:txBody>
+          <a:bodyPr/>
+          <a:lstStyle/>
+          <a:p>
+            <a:fld id="{DEA4167A-FAD6-462F-8F3A-5F6FA7F57024}" type="slidenum">
+              <a:rPr lang="ko-KR" altLang="en-US" smtClean="0"/>
+              <a:t>3</a:t>
+            </a:fld>
+            <a:endParaRPr lang="ko-KR" altLang="en-US"/>
+          </a:p>
+        </p:txBody>
+      </p:sp>
+    </p:spTree>
+    <p:extLst>
+      <p:ext uri="{BB962C8B-B14F-4D97-AF65-F5344CB8AC3E}">
+        <p14:creationId xmlns:p14="http://schemas.microsoft.com/office/powerpoint/2010/main" val="4118864814"/>
+      </p:ext>
+    </p:extLst>
+  </p:cSld>
+  <p:clrMapOvr>
+    <a:masterClrMapping/>
+  </p:clrMapOvr>
+</p:notes>
+</file>
+
+<file path=ppt/notesSlides/notesSlide4.xml><?xml version="1.0" encoding="utf-8"?>
+<p:notes xmlns:a="http://schemas.openxmlformats.org/drawingml/2006/main" xmlns:r="http://schemas.openxmlformats.org/officeDocument/2006/relationships" xmlns:p="http://schemas.openxmlformats.org/presentationml/2006/main">
+  <p:cSld>
+    <p:spTree>
+      <p:nvGrpSpPr>
+        <p:cNvPr id="1" name=""/>
+        <p:cNvGrpSpPr/>
+        <p:nvPr/>
+      </p:nvGrpSpPr>
+      <p:grpSpPr>
+        <a:xfrm>
+          <a:off x="0" y="0"/>
+          <a:ext cx="0" cy="0"/>
+          <a:chOff x="0" y="0"/>
+          <a:chExt cx="0" cy="0"/>
+        </a:xfrm>
+      </p:grpSpPr>
+      <p:sp>
+        <p:nvSpPr>
+          <p:cNvPr id="2" name="슬라이드 이미지 개체 틀 1"/>
+          <p:cNvSpPr>
+            <a:spLocks noGrp="1" noRot="1" noChangeAspect="1"/>
+          </p:cNvSpPr>
+          <p:nvPr>
+            <p:ph type="sldImg"/>
+          </p:nvPr>
+        </p:nvSpPr>
+        <p:spPr/>
+      </p:sp>
+      <p:sp>
+        <p:nvSpPr>
+          <p:cNvPr id="3" name="슬라이드 노트 개체 틀 2"/>
+          <p:cNvSpPr>
+            <a:spLocks noGrp="1"/>
+          </p:cNvSpPr>
+          <p:nvPr>
+            <p:ph type="body" idx="1"/>
+          </p:nvPr>
+        </p:nvSpPr>
+        <p:spPr/>
+        <p:txBody>
+          <a:bodyPr/>
+          <a:lstStyle/>
+          <a:p>
+            <a:r>
+              <a:rPr lang="ko-KR" altLang="en-US" dirty="0" smtClean="0"/>
+              <a:t>디자인 패턴이 만병 </a:t>
+            </a:r>
+            <a:r>
+              <a:rPr lang="ko-KR" altLang="en-US" dirty="0" err="1" smtClean="0"/>
+              <a:t>통치약은</a:t>
+            </a:r>
+            <a:r>
+              <a:rPr lang="ko-KR" altLang="en-US" dirty="0" smtClean="0"/>
+              <a:t> 아님</a:t>
+            </a:r>
+            <a:r>
+              <a:rPr lang="en-US" altLang="ko-KR" dirty="0" smtClean="0"/>
+              <a:t>. </a:t>
+            </a:r>
+            <a:r>
+              <a:rPr lang="ko-KR" altLang="en-US" dirty="0" smtClean="0"/>
+              <a:t>남용하지 말고 </a:t>
+            </a:r>
+            <a:endParaRPr lang="en-US" altLang="ko-KR" dirty="0" smtClean="0"/>
+          </a:p>
+          <a:p>
+            <a:endParaRPr lang="en-US" altLang="ko-KR" dirty="0" smtClean="0"/>
+          </a:p>
+          <a:p>
+            <a:r>
+              <a:rPr lang="ko-KR" altLang="en-US" dirty="0" smtClean="0"/>
+              <a:t>각 디자인 패턴의 장단점을 따져보고 적용하자</a:t>
+            </a:r>
+            <a:r>
+              <a:rPr lang="en-US" altLang="ko-KR" dirty="0" smtClean="0"/>
+              <a:t>.</a:t>
+            </a:r>
+          </a:p>
+          <a:p>
+            <a:endParaRPr lang="en-US" altLang="ko-KR" dirty="0" smtClean="0"/>
+          </a:p>
+          <a:p>
+            <a:r>
+              <a:rPr lang="ko-KR" altLang="en-US" dirty="0" smtClean="0"/>
+              <a:t>디자인 패턴의 핵심 아이디어 </a:t>
+            </a:r>
+            <a:r>
+              <a:rPr lang="en-US" altLang="ko-KR" dirty="0" smtClean="0"/>
+              <a:t>=&gt; </a:t>
+            </a:r>
+            <a:r>
+              <a:rPr lang="ko-KR" altLang="en-US" dirty="0" smtClean="0"/>
+              <a:t>소프트웨어는 수정된다</a:t>
+            </a:r>
+            <a:r>
+              <a:rPr lang="en-US" altLang="ko-KR" dirty="0" smtClean="0"/>
+              <a:t>.</a:t>
+            </a:r>
+          </a:p>
+          <a:p>
+            <a:endParaRPr lang="en-US" altLang="ko-KR" dirty="0" smtClean="0"/>
+          </a:p>
+          <a:p>
+            <a:r>
+              <a:rPr lang="ko-KR" altLang="en-US" dirty="0" smtClean="0"/>
+              <a:t>버그</a:t>
+            </a:r>
+            <a:r>
+              <a:rPr lang="en-US" altLang="ko-KR" dirty="0" smtClean="0"/>
+              <a:t>,</a:t>
+            </a:r>
+            <a:r>
+              <a:rPr lang="en-US" altLang="ko-KR" baseline="0" dirty="0" smtClean="0"/>
+              <a:t> </a:t>
+            </a:r>
+            <a:r>
+              <a:rPr lang="ko-KR" altLang="en-US" baseline="0" dirty="0" smtClean="0"/>
+              <a:t>요구 사항의 변화로 추가된 기능</a:t>
+            </a:r>
+            <a:endParaRPr lang="en-US" altLang="ko-KR" baseline="0" dirty="0" smtClean="0"/>
+          </a:p>
+          <a:p>
+            <a:endParaRPr lang="en-US" altLang="ko-KR" baseline="0" dirty="0" smtClean="0"/>
+          </a:p>
+          <a:p>
+            <a:r>
+              <a:rPr lang="ko-KR" altLang="en-US" baseline="0" dirty="0" smtClean="0"/>
+              <a:t>따라서 무엇이 변화할 것인지 예측하고 이런 변화를 쉽게 수용할 수 있는 구조로 소프트웨어를 유지</a:t>
+            </a:r>
+            <a:endParaRPr lang="en-US" altLang="ko-KR" baseline="0" dirty="0" smtClean="0"/>
+          </a:p>
+          <a:p>
+            <a:endParaRPr lang="en-US" altLang="ko-KR" baseline="0" dirty="0" smtClean="0"/>
+          </a:p>
+          <a:p>
+            <a:r>
+              <a:rPr lang="ko-KR" altLang="en-US" dirty="0" smtClean="0"/>
+              <a:t>맥락 없이 처음부터 무조건 패턴을 적용해서 필요 없는 변화에 대비하여 </a:t>
+            </a:r>
+            <a:r>
+              <a:rPr lang="ko-KR" altLang="en-US" dirty="0" err="1" smtClean="0"/>
+              <a:t>오버킬</a:t>
+            </a:r>
+            <a:r>
+              <a:rPr lang="en-US" altLang="ko-KR" dirty="0" smtClean="0"/>
+              <a:t>(overkill) </a:t>
+            </a:r>
+            <a:r>
+              <a:rPr lang="ko-KR" altLang="en-US" dirty="0" smtClean="0"/>
+              <a:t>경우 발생</a:t>
+            </a:r>
+            <a:endParaRPr lang="ko-KR" altLang="en-US" dirty="0"/>
+          </a:p>
+        </p:txBody>
+      </p:sp>
+      <p:sp>
+        <p:nvSpPr>
+          <p:cNvPr id="4" name="슬라이드 번호 개체 틀 3"/>
+          <p:cNvSpPr>
+            <a:spLocks noGrp="1"/>
+          </p:cNvSpPr>
+          <p:nvPr>
+            <p:ph type="sldNum" sz="quarter" idx="10"/>
+          </p:nvPr>
+        </p:nvSpPr>
+        <p:spPr/>
+        <p:txBody>
+          <a:bodyPr/>
+          <a:lstStyle/>
+          <a:p>
+            <a:fld id="{DEA4167A-FAD6-462F-8F3A-5F6FA7F57024}" type="slidenum">
+              <a:rPr lang="ko-KR" altLang="en-US" smtClean="0"/>
+              <a:t>4</a:t>
+            </a:fld>
+            <a:endParaRPr lang="ko-KR" altLang="en-US"/>
+          </a:p>
+        </p:txBody>
+      </p:sp>
+    </p:spTree>
+    <p:extLst>
+      <p:ext uri="{BB962C8B-B14F-4D97-AF65-F5344CB8AC3E}">
+        <p14:creationId xmlns:p14="http://schemas.microsoft.com/office/powerpoint/2010/main" val="1254814461"/>
+      </p:ext>
+    </p:extLst>
+  </p:cSld>
+  <p:clrMapOvr>
+    <a:masterClrMapping/>
+  </p:clrMapOvr>
+</p:notes>
+</file>
+
+<file path=ppt/notesSlides/notesSlide5.xml><?xml version="1.0" encoding="utf-8"?>
+<p:notes xmlns:a="http://schemas.openxmlformats.org/drawingml/2006/main" xmlns:r="http://schemas.openxmlformats.org/officeDocument/2006/relationships" xmlns:p="http://schemas.openxmlformats.org/presentationml/2006/main">
+  <p:cSld>
+    <p:spTree>
+      <p:nvGrpSpPr>
+        <p:cNvPr id="1" name=""/>
+        <p:cNvGrpSpPr/>
+        <p:nvPr/>
+      </p:nvGrpSpPr>
+      <p:grpSpPr>
+        <a:xfrm>
+          <a:off x="0" y="0"/>
+          <a:ext cx="0" cy="0"/>
+          <a:chOff x="0" y="0"/>
+          <a:chExt cx="0" cy="0"/>
+        </a:xfrm>
+      </p:grpSpPr>
+      <p:sp>
+        <p:nvSpPr>
+          <p:cNvPr id="2" name="슬라이드 이미지 개체 틀 1"/>
+          <p:cNvSpPr>
+            <a:spLocks noGrp="1" noRot="1" noChangeAspect="1"/>
+          </p:cNvSpPr>
+          <p:nvPr>
+            <p:ph type="sldImg"/>
+          </p:nvPr>
+        </p:nvSpPr>
+        <p:spPr/>
+      </p:sp>
+      <p:sp>
+        <p:nvSpPr>
+          <p:cNvPr id="3" name="슬라이드 노트 개체 틀 2"/>
+          <p:cNvSpPr>
+            <a:spLocks noGrp="1"/>
+          </p:cNvSpPr>
+          <p:nvPr>
+            <p:ph type="body" idx="1"/>
+          </p:nvPr>
+        </p:nvSpPr>
+        <p:spPr/>
+        <p:txBody>
+          <a:bodyPr/>
+          <a:lstStyle/>
+          <a:p>
+            <a:endParaRPr lang="ko-KR" altLang="en-US" dirty="0"/>
+          </a:p>
+        </p:txBody>
+      </p:sp>
+      <p:sp>
+        <p:nvSpPr>
+          <p:cNvPr id="4" name="슬라이드 번호 개체 틀 3"/>
+          <p:cNvSpPr>
+            <a:spLocks noGrp="1"/>
+          </p:cNvSpPr>
+          <p:nvPr>
+            <p:ph type="sldNum" sz="quarter" idx="10"/>
+          </p:nvPr>
+        </p:nvSpPr>
+        <p:spPr/>
+        <p:txBody>
+          <a:bodyPr/>
+          <a:lstStyle/>
+          <a:p>
+            <a:fld id="{DEA4167A-FAD6-462F-8F3A-5F6FA7F57024}" type="slidenum">
+              <a:rPr lang="ko-KR" altLang="en-US" smtClean="0"/>
+              <a:t>5</a:t>
+            </a:fld>
+            <a:endParaRPr lang="ko-KR" altLang="en-US"/>
+          </a:p>
+        </p:txBody>
+      </p:sp>
+    </p:spTree>
+    <p:extLst>
+      <p:ext uri="{BB962C8B-B14F-4D97-AF65-F5344CB8AC3E}">
+        <p14:creationId xmlns:p14="http://schemas.microsoft.com/office/powerpoint/2010/main" val="1390571679"/>
+      </p:ext>
+    </p:extLst>
+  </p:cSld>
+  <p:clrMapOvr>
+    <a:masterClrMapping/>
+  </p:clrMapOvr>
+</p:notes>
+</file>
+
+<file path=ppt/notesSlides/notesSlide6.xml><?xml version="1.0" encoding="utf-8"?>
+<p:notes xmlns:a="http://schemas.openxmlformats.org/drawingml/2006/main" xmlns:r="http://schemas.openxmlformats.org/officeDocument/2006/relationships" xmlns:p="http://schemas.openxmlformats.org/presentationml/2006/main">
+  <p:cSld>
+    <p:spTree>
+      <p:nvGrpSpPr>
+        <p:cNvPr id="1" name=""/>
+        <p:cNvGrpSpPr/>
+        <p:nvPr/>
+      </p:nvGrpSpPr>
+      <p:grpSpPr>
+        <a:xfrm>
+          <a:off x="0" y="0"/>
+          <a:ext cx="0" cy="0"/>
+          <a:chOff x="0" y="0"/>
+          <a:chExt cx="0" cy="0"/>
+        </a:xfrm>
+      </p:grpSpPr>
+      <p:sp>
+        <p:nvSpPr>
+          <p:cNvPr id="2" name="슬라이드 이미지 개체 틀 1"/>
+          <p:cNvSpPr>
+            <a:spLocks noGrp="1" noRot="1" noChangeAspect="1"/>
+          </p:cNvSpPr>
+          <p:nvPr>
+            <p:ph type="sldImg"/>
+          </p:nvPr>
+        </p:nvSpPr>
+        <p:spPr/>
+      </p:sp>
+      <p:sp>
+        <p:nvSpPr>
+          <p:cNvPr id="3" name="슬라이드 노트 개체 틀 2"/>
+          <p:cNvSpPr>
+            <a:spLocks noGrp="1"/>
+          </p:cNvSpPr>
+          <p:nvPr>
+            <p:ph type="body" idx="1"/>
+          </p:nvPr>
+        </p:nvSpPr>
+        <p:spPr/>
+        <p:txBody>
+          <a:bodyPr/>
+          <a:lstStyle/>
+          <a:p>
             <a:r>
               <a:rPr lang="en-US" altLang="ko-KR" dirty="0" smtClean="0">
                 <a:hlinkClick r:id="rId3"/>
@@ -542,7 +1935,7 @@
           <a:p>
             <a:fld id="{DEA4167A-FAD6-462F-8F3A-5F6FA7F57024}" type="slidenum">
               <a:rPr lang="ko-KR" altLang="en-US" smtClean="0"/>
-              <a:t>3</a:t>
+              <a:t>6</a:t>
             </a:fld>
             <a:endParaRPr lang="ko-KR" altLang="en-US"/>
           </a:p>
@@ -552,6 +1945,318 @@
     <p:extLst>
       <p:ext uri="{BB962C8B-B14F-4D97-AF65-F5344CB8AC3E}">
         <p14:creationId xmlns:p14="http://schemas.microsoft.com/office/powerpoint/2010/main" val="1473044591"/>
+      </p:ext>
+    </p:extLst>
+  </p:cSld>
+  <p:clrMapOvr>
+    <a:masterClrMapping/>
+  </p:clrMapOvr>
+</p:notes>
+</file>
+
+<file path=ppt/notesSlides/notesSlide7.xml><?xml version="1.0" encoding="utf-8"?>
+<p:notes xmlns:a="http://schemas.openxmlformats.org/drawingml/2006/main" xmlns:r="http://schemas.openxmlformats.org/officeDocument/2006/relationships" xmlns:p="http://schemas.openxmlformats.org/presentationml/2006/main">
+  <p:cSld>
+    <p:spTree>
+      <p:nvGrpSpPr>
+        <p:cNvPr id="1" name=""/>
+        <p:cNvGrpSpPr/>
+        <p:nvPr/>
+      </p:nvGrpSpPr>
+      <p:grpSpPr>
+        <a:xfrm>
+          <a:off x="0" y="0"/>
+          <a:ext cx="0" cy="0"/>
+          <a:chOff x="0" y="0"/>
+          <a:chExt cx="0" cy="0"/>
+        </a:xfrm>
+      </p:grpSpPr>
+      <p:sp>
+        <p:nvSpPr>
+          <p:cNvPr id="2" name="슬라이드 이미지 개체 틀 1"/>
+          <p:cNvSpPr>
+            <a:spLocks noGrp="1" noRot="1" noChangeAspect="1"/>
+          </p:cNvSpPr>
+          <p:nvPr>
+            <p:ph type="sldImg"/>
+          </p:nvPr>
+        </p:nvSpPr>
+        <p:spPr/>
+      </p:sp>
+      <p:sp>
+        <p:nvSpPr>
+          <p:cNvPr id="3" name="슬라이드 노트 개체 틀 2"/>
+          <p:cNvSpPr>
+            <a:spLocks noGrp="1"/>
+          </p:cNvSpPr>
+          <p:nvPr>
+            <p:ph type="body" idx="1"/>
+          </p:nvPr>
+        </p:nvSpPr>
+        <p:spPr/>
+        <p:txBody>
+          <a:bodyPr/>
+          <a:lstStyle/>
+          <a:p>
+            <a:r>
+              <a:rPr lang="ko-KR" altLang="en-US" dirty="0" smtClean="0"/>
+              <a:t>함께 동작하는 객체들이 </a:t>
+            </a:r>
+            <a:r>
+              <a:rPr lang="ko-KR" altLang="en-US" dirty="0" err="1" smtClean="0"/>
+              <a:t>보다쉽게</a:t>
+            </a:r>
+            <a:r>
+              <a:rPr lang="ko-KR" altLang="en-US" dirty="0" smtClean="0"/>
+              <a:t> 객체간의 관계를 다루는 패턴이다</a:t>
+            </a:r>
+            <a:r>
+              <a:rPr lang="en-US" altLang="ko-KR" dirty="0" smtClean="0"/>
+              <a:t>.</a:t>
+            </a:r>
+            <a:br>
+              <a:rPr lang="en-US" altLang="ko-KR" dirty="0" smtClean="0"/>
+            </a:br>
+            <a:endParaRPr lang="ko-KR" altLang="en-US" dirty="0"/>
+          </a:p>
+        </p:txBody>
+      </p:sp>
+      <p:sp>
+        <p:nvSpPr>
+          <p:cNvPr id="4" name="슬라이드 번호 개체 틀 3"/>
+          <p:cNvSpPr>
+            <a:spLocks noGrp="1"/>
+          </p:cNvSpPr>
+          <p:nvPr>
+            <p:ph type="sldNum" sz="quarter" idx="10"/>
+          </p:nvPr>
+        </p:nvSpPr>
+        <p:spPr/>
+        <p:txBody>
+          <a:bodyPr/>
+          <a:lstStyle/>
+          <a:p>
+            <a:fld id="{DEA4167A-FAD6-462F-8F3A-5F6FA7F57024}" type="slidenum">
+              <a:rPr lang="ko-KR" altLang="en-US" smtClean="0"/>
+              <a:t>7</a:t>
+            </a:fld>
+            <a:endParaRPr lang="ko-KR" altLang="en-US"/>
+          </a:p>
+        </p:txBody>
+      </p:sp>
+    </p:spTree>
+    <p:extLst>
+      <p:ext uri="{BB962C8B-B14F-4D97-AF65-F5344CB8AC3E}">
+        <p14:creationId xmlns:p14="http://schemas.microsoft.com/office/powerpoint/2010/main" val="3792844107"/>
+      </p:ext>
+    </p:extLst>
+  </p:cSld>
+  <p:clrMapOvr>
+    <a:masterClrMapping/>
+  </p:clrMapOvr>
+</p:notes>
+</file>
+
+<file path=ppt/notesSlides/notesSlide8.xml><?xml version="1.0" encoding="utf-8"?>
+<p:notes xmlns:a="http://schemas.openxmlformats.org/drawingml/2006/main" xmlns:r="http://schemas.openxmlformats.org/officeDocument/2006/relationships" xmlns:p="http://schemas.openxmlformats.org/presentationml/2006/main">
+  <p:cSld>
+    <p:spTree>
+      <p:nvGrpSpPr>
+        <p:cNvPr id="1" name=""/>
+        <p:cNvGrpSpPr/>
+        <p:nvPr/>
+      </p:nvGrpSpPr>
+      <p:grpSpPr>
+        <a:xfrm>
+          <a:off x="0" y="0"/>
+          <a:ext cx="0" cy="0"/>
+          <a:chOff x="0" y="0"/>
+          <a:chExt cx="0" cy="0"/>
+        </a:xfrm>
+      </p:grpSpPr>
+      <p:sp>
+        <p:nvSpPr>
+          <p:cNvPr id="2" name="슬라이드 이미지 개체 틀 1"/>
+          <p:cNvSpPr>
+            <a:spLocks noGrp="1" noRot="1" noChangeAspect="1"/>
+          </p:cNvSpPr>
+          <p:nvPr>
+            <p:ph type="sldImg"/>
+          </p:nvPr>
+        </p:nvSpPr>
+        <p:spPr/>
+      </p:sp>
+      <p:sp>
+        <p:nvSpPr>
+          <p:cNvPr id="3" name="슬라이드 노트 개체 틀 2"/>
+          <p:cNvSpPr>
+            <a:spLocks noGrp="1"/>
+          </p:cNvSpPr>
+          <p:nvPr>
+            <p:ph type="body" idx="1"/>
+          </p:nvPr>
+        </p:nvSpPr>
+        <p:spPr/>
+        <p:txBody>
+          <a:bodyPr/>
+          <a:lstStyle/>
+          <a:p>
+            <a:r>
+              <a:rPr lang="ko-KR" altLang="en-US" dirty="0" smtClean="0"/>
+              <a:t>객체의 그룹을 복잡한 사용자 인터페이스나 회계 데이터와 같이 더 큰 구조로 구성할 수 있게 한다</a:t>
+            </a:r>
+            <a:r>
+              <a:rPr lang="en-US" altLang="ko-KR" dirty="0" smtClean="0"/>
+              <a:t>.  </a:t>
+            </a:r>
+          </a:p>
+          <a:p>
+            <a:pPr lvl="1"/>
+            <a:r>
+              <a:rPr lang="ko-KR" altLang="en-US" dirty="0" smtClean="0"/>
+              <a:t>프로그램의 구조에 관련된 패턴들</a:t>
+            </a:r>
+          </a:p>
+          <a:p>
+            <a:pPr lvl="1"/>
+            <a:r>
+              <a:rPr lang="ko-KR" altLang="en-US" dirty="0" smtClean="0"/>
+              <a:t>프로그램내의 자료구조나 인터페이스 구조 등 프로그램의 구조를 설계하는데 많이 활용될 수 있는 패턴들</a:t>
+            </a:r>
+          </a:p>
+          <a:p>
+            <a:endParaRPr lang="ko-KR" altLang="en-US" dirty="0"/>
+          </a:p>
+        </p:txBody>
+      </p:sp>
+      <p:sp>
+        <p:nvSpPr>
+          <p:cNvPr id="4" name="슬라이드 번호 개체 틀 3"/>
+          <p:cNvSpPr>
+            <a:spLocks noGrp="1"/>
+          </p:cNvSpPr>
+          <p:nvPr>
+            <p:ph type="sldNum" sz="quarter" idx="10"/>
+          </p:nvPr>
+        </p:nvSpPr>
+        <p:spPr/>
+        <p:txBody>
+          <a:bodyPr/>
+          <a:lstStyle/>
+          <a:p>
+            <a:fld id="{DEA4167A-FAD6-462F-8F3A-5F6FA7F57024}" type="slidenum">
+              <a:rPr lang="ko-KR" altLang="en-US" smtClean="0"/>
+              <a:t>8</a:t>
+            </a:fld>
+            <a:endParaRPr lang="ko-KR" altLang="en-US"/>
+          </a:p>
+        </p:txBody>
+      </p:sp>
+    </p:spTree>
+    <p:extLst>
+      <p:ext uri="{BB962C8B-B14F-4D97-AF65-F5344CB8AC3E}">
+        <p14:creationId xmlns:p14="http://schemas.microsoft.com/office/powerpoint/2010/main" val="3720097684"/>
+      </p:ext>
+    </p:extLst>
+  </p:cSld>
+  <p:clrMapOvr>
+    <a:masterClrMapping/>
+  </p:clrMapOvr>
+</p:notes>
+</file>
+
+<file path=ppt/notesSlides/notesSlide9.xml><?xml version="1.0" encoding="utf-8"?>
+<p:notes xmlns:a="http://schemas.openxmlformats.org/drawingml/2006/main" xmlns:r="http://schemas.openxmlformats.org/officeDocument/2006/relationships" xmlns:p="http://schemas.openxmlformats.org/presentationml/2006/main">
+  <p:cSld>
+    <p:spTree>
+      <p:nvGrpSpPr>
+        <p:cNvPr id="1" name=""/>
+        <p:cNvGrpSpPr/>
+        <p:nvPr/>
+      </p:nvGrpSpPr>
+      <p:grpSpPr>
+        <a:xfrm>
+          <a:off x="0" y="0"/>
+          <a:ext cx="0" cy="0"/>
+          <a:chOff x="0" y="0"/>
+          <a:chExt cx="0" cy="0"/>
+        </a:xfrm>
+      </p:grpSpPr>
+      <p:sp>
+        <p:nvSpPr>
+          <p:cNvPr id="2" name="슬라이드 이미지 개체 틀 1"/>
+          <p:cNvSpPr>
+            <a:spLocks noGrp="1" noRot="1" noChangeAspect="1"/>
+          </p:cNvSpPr>
+          <p:nvPr>
+            <p:ph type="sldImg"/>
+          </p:nvPr>
+        </p:nvSpPr>
+        <p:spPr/>
+      </p:sp>
+      <p:sp>
+        <p:nvSpPr>
+          <p:cNvPr id="3" name="슬라이드 노트 개체 틀 2"/>
+          <p:cNvSpPr>
+            <a:spLocks noGrp="1"/>
+          </p:cNvSpPr>
+          <p:nvPr>
+            <p:ph type="body" idx="1"/>
+          </p:nvPr>
+        </p:nvSpPr>
+        <p:spPr/>
+        <p:txBody>
+          <a:bodyPr/>
+          <a:lstStyle/>
+          <a:p>
+            <a:r>
+              <a:rPr lang="ko-KR" altLang="en-US" dirty="0" smtClean="0"/>
+              <a:t>시스템의 객체들 사이에 커뮤니케이션과 복잡한 프로그램에서의 흐름을 제어하는 방법을 정의할 수 있게 한다</a:t>
+            </a:r>
+            <a:r>
+              <a:rPr lang="en-US" altLang="ko-KR" dirty="0" smtClean="0"/>
+              <a:t>. </a:t>
+            </a:r>
+          </a:p>
+          <a:p>
+            <a:endParaRPr lang="en-US" altLang="ko-KR" dirty="0" smtClean="0"/>
+          </a:p>
+          <a:p>
+            <a:r>
+              <a:rPr lang="ko-KR" altLang="en-US" dirty="0" smtClean="0"/>
+              <a:t>반복적으로 사용되는 객체들의 상호작용을 패턴화</a:t>
+            </a:r>
+            <a:endParaRPr lang="ko-KR" altLang="en-US" dirty="0"/>
+          </a:p>
+        </p:txBody>
+      </p:sp>
+      <p:sp>
+        <p:nvSpPr>
+          <p:cNvPr id="4" name="슬라이드 번호 개체 틀 3"/>
+          <p:cNvSpPr>
+            <a:spLocks noGrp="1"/>
+          </p:cNvSpPr>
+          <p:nvPr>
+            <p:ph type="sldNum" sz="quarter" idx="10"/>
+          </p:nvPr>
+        </p:nvSpPr>
+        <p:spPr/>
+        <p:txBody>
+          <a:bodyPr/>
+          <a:lstStyle/>
+          <a:p>
+            <a:fld id="{DEA4167A-FAD6-462F-8F3A-5F6FA7F57024}" type="slidenum">
+              <a:rPr lang="ko-KR" altLang="en-US" smtClean="0"/>
+              <a:t>9</a:t>
+            </a:fld>
+            <a:endParaRPr lang="ko-KR" altLang="en-US"/>
+          </a:p>
+        </p:txBody>
+      </p:sp>
+    </p:spTree>
+    <p:extLst>
+      <p:ext uri="{BB962C8B-B14F-4D97-AF65-F5344CB8AC3E}">
+        <p14:creationId xmlns:p14="http://schemas.microsoft.com/office/powerpoint/2010/main" val="1998720153"/>
       </p:ext>
     </p:extLst>
   </p:cSld>
@@ -3638,7 +5343,7 @@
           <a:p>
             <a:r>
               <a:rPr lang="en-US" altLang="ko-KR" dirty="0" smtClean="0"/>
-              <a:t>Singleton </a:t>
+              <a:t>Strategy </a:t>
             </a:r>
             <a:r>
               <a:rPr lang="ko-KR" altLang="en-US" dirty="0" smtClean="0"/>
@@ -3648,29 +5353,74 @@
           </a:p>
         </p:txBody>
       </p:sp>
-      <p:sp>
-        <p:nvSpPr>
-          <p:cNvPr id="3" name="내용 개체 틀 2"/>
-          <p:cNvSpPr>
-            <a:spLocks noGrp="1"/>
-          </p:cNvSpPr>
-          <p:nvPr>
-            <p:ph idx="1"/>
-          </p:nvPr>
-        </p:nvSpPr>
-        <p:spPr/>
-        <p:txBody>
-          <a:bodyPr/>
-          <a:lstStyle/>
-          <a:p>
-            <a:endParaRPr lang="ko-KR" altLang="en-US"/>
-          </a:p>
-        </p:txBody>
-      </p:sp>
+      <p:pic>
+        <p:nvPicPr>
+          <p:cNvPr id="1026" name="Picture 2"/>
+          <p:cNvPicPr>
+            <a:picLocks noChangeAspect="1" noChangeArrowheads="1"/>
+          </p:cNvPicPr>
+          <p:nvPr/>
+        </p:nvPicPr>
+        <p:blipFill>
+          <a:blip r:embed="rId3">
+            <a:extLst>
+              <a:ext uri="{28A0092B-C50C-407E-A947-70E740481C1C}">
+                <a14:useLocalDpi xmlns:a14="http://schemas.microsoft.com/office/drawing/2010/main" val="0"/>
+              </a:ext>
+            </a:extLst>
+          </a:blip>
+          <a:srcRect/>
+          <a:stretch>
+            <a:fillRect/>
+          </a:stretch>
+        </p:blipFill>
+        <p:spPr bwMode="auto">
+          <a:xfrm>
+            <a:off x="2386013" y="1919288"/>
+            <a:ext cx="4371975" cy="3019425"/>
+          </a:xfrm>
+          <a:prstGeom prst="rect">
+            <a:avLst/>
+          </a:prstGeom>
+          <a:noFill/>
+          <a:ln>
+            <a:noFill/>
+          </a:ln>
+          <a:effectLst/>
+          <a:extLst>
+            <a:ext uri="{909E8E84-426E-40DD-AFC4-6F175D3DCCD1}">
+              <a14:hiddenFill xmlns:a14="http://schemas.microsoft.com/office/drawing/2010/main">
+                <a:solidFill>
+                  <a:schemeClr val="accent1"/>
+                </a:solidFill>
+              </a14:hiddenFill>
+            </a:ext>
+            <a:ext uri="{91240B29-F687-4F45-9708-019B960494DF}">
+              <a14:hiddenLine xmlns:a14="http://schemas.microsoft.com/office/drawing/2010/main" w="9525">
+                <a:solidFill>
+                  <a:schemeClr val="tx1"/>
+                </a:solidFill>
+                <a:miter lim="800000"/>
+                <a:headEnd/>
+                <a:tailEnd/>
+              </a14:hiddenLine>
+            </a:ext>
+            <a:ext uri="{AF507438-7753-43E0-B8FC-AC1667EBCBE1}">
+              <a14:hiddenEffects xmlns:a14="http://schemas.microsoft.com/office/drawing/2010/main">
+                <a:effectLst>
+                  <a:outerShdw dist="35921" dir="2700000" algn="ctr" rotWithShape="0">
+                    <a:schemeClr val="bg2"/>
+                  </a:outerShdw>
+                </a:effectLst>
+              </a14:hiddenEffects>
+            </a:ext>
+          </a:extLst>
+        </p:spPr>
+      </p:pic>
     </p:spTree>
     <p:extLst>
       <p:ext uri="{BB962C8B-B14F-4D97-AF65-F5344CB8AC3E}">
-        <p14:creationId xmlns:p14="http://schemas.microsoft.com/office/powerpoint/2010/main" val="44123831"/>
+        <p14:creationId xmlns:p14="http://schemas.microsoft.com/office/powerpoint/2010/main" val="2702476984"/>
       </p:ext>
     </p:extLst>
   </p:cSld>
@@ -3712,41 +5462,55 @@
           <a:bodyPr/>
           <a:lstStyle/>
           <a:p>
-            <a:r>
-              <a:rPr lang="en-US" altLang="ko-KR" dirty="0" smtClean="0"/>
-              <a:t>Adapter </a:t>
-            </a:r>
-            <a:r>
-              <a:rPr lang="ko-KR" altLang="en-US" dirty="0" smtClean="0"/>
-              <a:t>패턴</a:t>
-            </a:r>
-            <a:endParaRPr lang="ko-KR" altLang="en-US" dirty="0"/>
-          </a:p>
-        </p:txBody>
-      </p:sp>
-      <p:sp>
-        <p:nvSpPr>
-          <p:cNvPr id="3" name="내용 개체 틀 2"/>
-          <p:cNvSpPr>
-            <a:spLocks noGrp="1"/>
-          </p:cNvSpPr>
-          <p:nvPr>
-            <p:ph idx="1"/>
-          </p:nvPr>
-        </p:nvSpPr>
-        <p:spPr/>
-        <p:txBody>
-          <a:bodyPr/>
-          <a:lstStyle/>
-          <a:p>
-            <a:endParaRPr lang="ko-KR" altLang="en-US"/>
-          </a:p>
-        </p:txBody>
-      </p:sp>
+            <a:endParaRPr lang="ko-KR" altLang="en-US"/>
+          </a:p>
+        </p:txBody>
+      </p:sp>
+      <p:pic>
+        <p:nvPicPr>
+          <p:cNvPr id="4" name="Picture 4" descr="strategy_01"/>
+          <p:cNvPicPr>
+            <a:picLocks noChangeAspect="1" noChangeArrowheads="1"/>
+          </p:cNvPicPr>
+          <p:nvPr/>
+        </p:nvPicPr>
+        <p:blipFill>
+          <a:blip r:embed="rId2">
+            <a:extLst>
+              <a:ext uri="{28A0092B-C50C-407E-A947-70E740481C1C}">
+                <a14:useLocalDpi xmlns:a14="http://schemas.microsoft.com/office/drawing/2010/main" val="0"/>
+              </a:ext>
+            </a:extLst>
+          </a:blip>
+          <a:srcRect/>
+          <a:stretch>
+            <a:fillRect/>
+          </a:stretch>
+        </p:blipFill>
+        <p:spPr bwMode="auto">
+          <a:xfrm>
+            <a:off x="215106" y="2143918"/>
+            <a:ext cx="8713788" cy="2570163"/>
+          </a:xfrm>
+          <a:prstGeom prst="rect">
+            <a:avLst/>
+          </a:prstGeom>
+          <a:noFill/>
+          <a:extLst>
+            <a:ext uri="{909E8E84-426E-40DD-AFC4-6F175D3DCCD1}">
+              <a14:hiddenFill xmlns:a14="http://schemas.microsoft.com/office/drawing/2010/main">
+                <a:solidFill>
+                  <a:srgbClr val="FFFFFF"/>
+                </a:solidFill>
+              </a14:hiddenFill>
+            </a:ext>
+          </a:extLst>
+        </p:spPr>
+      </p:pic>
     </p:spTree>
     <p:extLst>
       <p:ext uri="{BB962C8B-B14F-4D97-AF65-F5344CB8AC3E}">
-        <p14:creationId xmlns:p14="http://schemas.microsoft.com/office/powerpoint/2010/main" val="3095978916"/>
+        <p14:creationId xmlns:p14="http://schemas.microsoft.com/office/powerpoint/2010/main" val="2640793805"/>
       </p:ext>
     </p:extLst>
   </p:cSld>
@@ -3788,6 +5552,378 @@
           <a:bodyPr/>
           <a:lstStyle/>
           <a:p>
+            <a:endParaRPr lang="ko-KR" altLang="en-US"/>
+          </a:p>
+        </p:txBody>
+      </p:sp>
+      <p:sp>
+        <p:nvSpPr>
+          <p:cNvPr id="3" name="내용 개체 틀 2"/>
+          <p:cNvSpPr>
+            <a:spLocks noGrp="1"/>
+          </p:cNvSpPr>
+          <p:nvPr>
+            <p:ph idx="1"/>
+          </p:nvPr>
+        </p:nvSpPr>
+        <p:spPr/>
+        <p:txBody>
+          <a:bodyPr/>
+          <a:lstStyle/>
+          <a:p>
+            <a:endParaRPr lang="ko-KR" altLang="en-US" dirty="0"/>
+          </a:p>
+        </p:txBody>
+      </p:sp>
+    </p:spTree>
+    <p:extLst>
+      <p:ext uri="{BB962C8B-B14F-4D97-AF65-F5344CB8AC3E}">
+        <p14:creationId xmlns:p14="http://schemas.microsoft.com/office/powerpoint/2010/main" val="4123342059"/>
+      </p:ext>
+    </p:extLst>
+  </p:cSld>
+  <p:clrMapOvr>
+    <a:masterClrMapping/>
+  </p:clrMapOvr>
+</p:sld>
+</file>
+
+<file path=ppt/slides/slide13.xml><?xml version="1.0" encoding="utf-8"?>
+<p:sld xmlns:a="http://schemas.openxmlformats.org/drawingml/2006/main" xmlns:r="http://schemas.openxmlformats.org/officeDocument/2006/relationships" xmlns:p="http://schemas.openxmlformats.org/presentationml/2006/main">
+  <p:cSld>
+    <p:spTree>
+      <p:nvGrpSpPr>
+        <p:cNvPr id="1" name=""/>
+        <p:cNvGrpSpPr/>
+        <p:nvPr/>
+      </p:nvGrpSpPr>
+      <p:grpSpPr>
+        <a:xfrm>
+          <a:off x="0" y="0"/>
+          <a:ext cx="0" cy="0"/>
+          <a:chOff x="0" y="0"/>
+          <a:chExt cx="0" cy="0"/>
+        </a:xfrm>
+      </p:grpSpPr>
+      <p:sp>
+        <p:nvSpPr>
+          <p:cNvPr id="2" name="제목 1"/>
+          <p:cNvSpPr>
+            <a:spLocks noGrp="1"/>
+          </p:cNvSpPr>
+          <p:nvPr>
+            <p:ph type="title"/>
+          </p:nvPr>
+        </p:nvSpPr>
+        <p:spPr/>
+        <p:txBody>
+          <a:bodyPr/>
+          <a:lstStyle/>
+          <a:p>
+            <a:r>
+              <a:rPr lang="en-US" altLang="ko-KR" dirty="0" smtClean="0"/>
+              <a:t>Template Method </a:t>
+            </a:r>
+            <a:r>
+              <a:rPr lang="ko-KR" altLang="en-US" dirty="0" smtClean="0"/>
+              <a:t>패턴</a:t>
+            </a:r>
+            <a:endParaRPr lang="ko-KR" altLang="en-US" dirty="0"/>
+          </a:p>
+        </p:txBody>
+      </p:sp>
+      <p:sp>
+        <p:nvSpPr>
+          <p:cNvPr id="3" name="내용 개체 틀 2"/>
+          <p:cNvSpPr>
+            <a:spLocks noGrp="1"/>
+          </p:cNvSpPr>
+          <p:nvPr>
+            <p:ph idx="1"/>
+          </p:nvPr>
+        </p:nvSpPr>
+        <p:spPr/>
+        <p:txBody>
+          <a:bodyPr/>
+          <a:lstStyle/>
+          <a:p>
+            <a:endParaRPr lang="ko-KR" altLang="en-US"/>
+          </a:p>
+        </p:txBody>
+      </p:sp>
+    </p:spTree>
+    <p:extLst>
+      <p:ext uri="{BB962C8B-B14F-4D97-AF65-F5344CB8AC3E}">
+        <p14:creationId xmlns:p14="http://schemas.microsoft.com/office/powerpoint/2010/main" val="3862501619"/>
+      </p:ext>
+    </p:extLst>
+  </p:cSld>
+  <p:clrMapOvr>
+    <a:masterClrMapping/>
+  </p:clrMapOvr>
+</p:sld>
+</file>
+
+<file path=ppt/slides/slide14.xml><?xml version="1.0" encoding="utf-8"?>
+<p:sld xmlns:a="http://schemas.openxmlformats.org/drawingml/2006/main" xmlns:r="http://schemas.openxmlformats.org/officeDocument/2006/relationships" xmlns:p="http://schemas.openxmlformats.org/presentationml/2006/main">
+  <p:cSld>
+    <p:spTree>
+      <p:nvGrpSpPr>
+        <p:cNvPr id="1" name=""/>
+        <p:cNvGrpSpPr/>
+        <p:nvPr/>
+      </p:nvGrpSpPr>
+      <p:grpSpPr>
+        <a:xfrm>
+          <a:off x="0" y="0"/>
+          <a:ext cx="0" cy="0"/>
+          <a:chOff x="0" y="0"/>
+          <a:chExt cx="0" cy="0"/>
+        </a:xfrm>
+      </p:grpSpPr>
+      <p:sp>
+        <p:nvSpPr>
+          <p:cNvPr id="2" name="제목 1"/>
+          <p:cNvSpPr>
+            <a:spLocks noGrp="1"/>
+          </p:cNvSpPr>
+          <p:nvPr>
+            <p:ph type="title"/>
+          </p:nvPr>
+        </p:nvSpPr>
+        <p:spPr/>
+        <p:txBody>
+          <a:bodyPr/>
+          <a:lstStyle/>
+          <a:p>
+            <a:r>
+              <a:rPr lang="en-US" altLang="ko-KR" dirty="0" smtClean="0"/>
+              <a:t>Builder </a:t>
+            </a:r>
+            <a:r>
+              <a:rPr lang="ko-KR" altLang="en-US" dirty="0" smtClean="0"/>
+              <a:t>패턴</a:t>
+            </a:r>
+            <a:endParaRPr lang="ko-KR" altLang="en-US" dirty="0"/>
+          </a:p>
+        </p:txBody>
+      </p:sp>
+      <p:sp>
+        <p:nvSpPr>
+          <p:cNvPr id="3" name="내용 개체 틀 2"/>
+          <p:cNvSpPr>
+            <a:spLocks noGrp="1"/>
+          </p:cNvSpPr>
+          <p:nvPr>
+            <p:ph idx="1"/>
+          </p:nvPr>
+        </p:nvSpPr>
+        <p:spPr/>
+        <p:txBody>
+          <a:bodyPr/>
+          <a:lstStyle/>
+          <a:p>
+            <a:endParaRPr lang="ko-KR" altLang="en-US"/>
+          </a:p>
+        </p:txBody>
+      </p:sp>
+    </p:spTree>
+    <p:extLst>
+      <p:ext uri="{BB962C8B-B14F-4D97-AF65-F5344CB8AC3E}">
+        <p14:creationId xmlns:p14="http://schemas.microsoft.com/office/powerpoint/2010/main" val="3740439118"/>
+      </p:ext>
+    </p:extLst>
+  </p:cSld>
+  <p:clrMapOvr>
+    <a:masterClrMapping/>
+  </p:clrMapOvr>
+</p:sld>
+</file>
+
+<file path=ppt/slides/slide15.xml><?xml version="1.0" encoding="utf-8"?>
+<p:sld xmlns:a="http://schemas.openxmlformats.org/drawingml/2006/main" xmlns:r="http://schemas.openxmlformats.org/officeDocument/2006/relationships" xmlns:p="http://schemas.openxmlformats.org/presentationml/2006/main">
+  <p:cSld>
+    <p:spTree>
+      <p:nvGrpSpPr>
+        <p:cNvPr id="1" name=""/>
+        <p:cNvGrpSpPr/>
+        <p:nvPr/>
+      </p:nvGrpSpPr>
+      <p:grpSpPr>
+        <a:xfrm>
+          <a:off x="0" y="0"/>
+          <a:ext cx="0" cy="0"/>
+          <a:chOff x="0" y="0"/>
+          <a:chExt cx="0" cy="0"/>
+        </a:xfrm>
+      </p:grpSpPr>
+      <p:sp>
+        <p:nvSpPr>
+          <p:cNvPr id="2" name="제목 1"/>
+          <p:cNvSpPr>
+            <a:spLocks noGrp="1"/>
+          </p:cNvSpPr>
+          <p:nvPr>
+            <p:ph type="title"/>
+          </p:nvPr>
+        </p:nvSpPr>
+        <p:spPr/>
+        <p:txBody>
+          <a:bodyPr/>
+          <a:lstStyle/>
+          <a:p>
+            <a:r>
+              <a:rPr lang="en-US" altLang="ko-KR" dirty="0" smtClean="0"/>
+              <a:t>Singleton </a:t>
+            </a:r>
+            <a:r>
+              <a:rPr lang="ko-KR" altLang="en-US" dirty="0" smtClean="0"/>
+              <a:t>패턴</a:t>
+            </a:r>
+            <a:endParaRPr lang="ko-KR" altLang="en-US" dirty="0"/>
+          </a:p>
+        </p:txBody>
+      </p:sp>
+      <p:sp>
+        <p:nvSpPr>
+          <p:cNvPr id="3" name="내용 개체 틀 2"/>
+          <p:cNvSpPr>
+            <a:spLocks noGrp="1"/>
+          </p:cNvSpPr>
+          <p:nvPr>
+            <p:ph idx="1"/>
+          </p:nvPr>
+        </p:nvSpPr>
+        <p:spPr/>
+        <p:txBody>
+          <a:bodyPr/>
+          <a:lstStyle/>
+          <a:p>
+            <a:endParaRPr lang="ko-KR" altLang="en-US"/>
+          </a:p>
+        </p:txBody>
+      </p:sp>
+    </p:spTree>
+    <p:extLst>
+      <p:ext uri="{BB962C8B-B14F-4D97-AF65-F5344CB8AC3E}">
+        <p14:creationId xmlns:p14="http://schemas.microsoft.com/office/powerpoint/2010/main" val="44123831"/>
+      </p:ext>
+    </p:extLst>
+  </p:cSld>
+  <p:clrMapOvr>
+    <a:masterClrMapping/>
+  </p:clrMapOvr>
+</p:sld>
+</file>
+
+<file path=ppt/slides/slide16.xml><?xml version="1.0" encoding="utf-8"?>
+<p:sld xmlns:a="http://schemas.openxmlformats.org/drawingml/2006/main" xmlns:r="http://schemas.openxmlformats.org/officeDocument/2006/relationships" xmlns:p="http://schemas.openxmlformats.org/presentationml/2006/main">
+  <p:cSld>
+    <p:spTree>
+      <p:nvGrpSpPr>
+        <p:cNvPr id="1" name=""/>
+        <p:cNvGrpSpPr/>
+        <p:nvPr/>
+      </p:nvGrpSpPr>
+      <p:grpSpPr>
+        <a:xfrm>
+          <a:off x="0" y="0"/>
+          <a:ext cx="0" cy="0"/>
+          <a:chOff x="0" y="0"/>
+          <a:chExt cx="0" cy="0"/>
+        </a:xfrm>
+      </p:grpSpPr>
+      <p:sp>
+        <p:nvSpPr>
+          <p:cNvPr id="2" name="제목 1"/>
+          <p:cNvSpPr>
+            <a:spLocks noGrp="1"/>
+          </p:cNvSpPr>
+          <p:nvPr>
+            <p:ph type="title"/>
+          </p:nvPr>
+        </p:nvSpPr>
+        <p:spPr/>
+        <p:txBody>
+          <a:bodyPr/>
+          <a:lstStyle/>
+          <a:p>
+            <a:r>
+              <a:rPr lang="en-US" altLang="ko-KR" dirty="0" smtClean="0"/>
+              <a:t>Adapter </a:t>
+            </a:r>
+            <a:r>
+              <a:rPr lang="ko-KR" altLang="en-US" dirty="0" smtClean="0"/>
+              <a:t>패턴</a:t>
+            </a:r>
+            <a:endParaRPr lang="ko-KR" altLang="en-US" dirty="0"/>
+          </a:p>
+        </p:txBody>
+      </p:sp>
+      <p:sp>
+        <p:nvSpPr>
+          <p:cNvPr id="3" name="내용 개체 틀 2"/>
+          <p:cNvSpPr>
+            <a:spLocks noGrp="1"/>
+          </p:cNvSpPr>
+          <p:nvPr>
+            <p:ph idx="1"/>
+          </p:nvPr>
+        </p:nvSpPr>
+        <p:spPr/>
+        <p:txBody>
+          <a:bodyPr/>
+          <a:lstStyle/>
+          <a:p>
+            <a:endParaRPr lang="ko-KR" altLang="en-US"/>
+          </a:p>
+        </p:txBody>
+      </p:sp>
+    </p:spTree>
+    <p:extLst>
+      <p:ext uri="{BB962C8B-B14F-4D97-AF65-F5344CB8AC3E}">
+        <p14:creationId xmlns:p14="http://schemas.microsoft.com/office/powerpoint/2010/main" val="3095978916"/>
+      </p:ext>
+    </p:extLst>
+  </p:cSld>
+  <p:clrMapOvr>
+    <a:masterClrMapping/>
+  </p:clrMapOvr>
+</p:sld>
+</file>
+
+<file path=ppt/slides/slide17.xml><?xml version="1.0" encoding="utf-8"?>
+<p:sld xmlns:a="http://schemas.openxmlformats.org/drawingml/2006/main" xmlns:r="http://schemas.openxmlformats.org/officeDocument/2006/relationships" xmlns:p="http://schemas.openxmlformats.org/presentationml/2006/main">
+  <p:cSld>
+    <p:spTree>
+      <p:nvGrpSpPr>
+        <p:cNvPr id="1" name=""/>
+        <p:cNvGrpSpPr/>
+        <p:nvPr/>
+      </p:nvGrpSpPr>
+      <p:grpSpPr>
+        <a:xfrm>
+          <a:off x="0" y="0"/>
+          <a:ext cx="0" cy="0"/>
+          <a:chOff x="0" y="0"/>
+          <a:chExt cx="0" cy="0"/>
+        </a:xfrm>
+      </p:grpSpPr>
+      <p:sp>
+        <p:nvSpPr>
+          <p:cNvPr id="2" name="제목 1"/>
+          <p:cNvSpPr>
+            <a:spLocks noGrp="1"/>
+          </p:cNvSpPr>
+          <p:nvPr>
+            <p:ph type="title"/>
+          </p:nvPr>
+        </p:nvSpPr>
+        <p:spPr/>
+        <p:txBody>
+          <a:bodyPr/>
+          <a:lstStyle/>
+          <a:p>
             <a:r>
               <a:rPr lang="en-US" altLang="ko-KR" dirty="0" smtClean="0"/>
               <a:t>Proxy </a:t>
@@ -3823,6 +5959,82 @@
     <p:extLst>
       <p:ext uri="{BB962C8B-B14F-4D97-AF65-F5344CB8AC3E}">
         <p14:creationId xmlns:p14="http://schemas.microsoft.com/office/powerpoint/2010/main" val="1995493831"/>
+      </p:ext>
+    </p:extLst>
+  </p:cSld>
+  <p:clrMapOvr>
+    <a:masterClrMapping/>
+  </p:clrMapOvr>
+</p:sld>
+</file>
+
+<file path=ppt/slides/slide18.xml><?xml version="1.0" encoding="utf-8"?>
+<p:sld xmlns:a="http://schemas.openxmlformats.org/drawingml/2006/main" xmlns:r="http://schemas.openxmlformats.org/officeDocument/2006/relationships" xmlns:p="http://schemas.openxmlformats.org/presentationml/2006/main">
+  <p:cSld>
+    <p:spTree>
+      <p:nvGrpSpPr>
+        <p:cNvPr id="1" name=""/>
+        <p:cNvGrpSpPr/>
+        <p:nvPr/>
+      </p:nvGrpSpPr>
+      <p:grpSpPr>
+        <a:xfrm>
+          <a:off x="0" y="0"/>
+          <a:ext cx="0" cy="0"/>
+          <a:chOff x="0" y="0"/>
+          <a:chExt cx="0" cy="0"/>
+        </a:xfrm>
+      </p:grpSpPr>
+      <p:sp>
+        <p:nvSpPr>
+          <p:cNvPr id="2" name="제목 1"/>
+          <p:cNvSpPr>
+            <a:spLocks noGrp="1"/>
+          </p:cNvSpPr>
+          <p:nvPr>
+            <p:ph type="title"/>
+          </p:nvPr>
+        </p:nvSpPr>
+        <p:spPr/>
+        <p:txBody>
+          <a:bodyPr/>
+          <a:lstStyle/>
+          <a:p>
+            <a:r>
+              <a:rPr lang="ko-KR" altLang="en-US" dirty="0" err="1" smtClean="0"/>
+              <a:t>옵저버</a:t>
+            </a:r>
+            <a:r>
+              <a:rPr lang="ko-KR" altLang="en-US" dirty="0" smtClean="0"/>
+              <a:t> 패턴</a:t>
+            </a:r>
+            <a:endParaRPr lang="ko-KR" altLang="en-US" dirty="0"/>
+          </a:p>
+        </p:txBody>
+      </p:sp>
+      <p:sp>
+        <p:nvSpPr>
+          <p:cNvPr id="3" name="내용 개체 틀 2"/>
+          <p:cNvSpPr>
+            <a:spLocks noGrp="1"/>
+          </p:cNvSpPr>
+          <p:nvPr>
+            <p:ph idx="1"/>
+          </p:nvPr>
+        </p:nvSpPr>
+        <p:spPr/>
+        <p:txBody>
+          <a:bodyPr/>
+          <a:lstStyle/>
+          <a:p>
+            <a:endParaRPr lang="ko-KR" altLang="en-US"/>
+          </a:p>
+        </p:txBody>
+      </p:sp>
+    </p:spTree>
+    <p:extLst>
+      <p:ext uri="{BB962C8B-B14F-4D97-AF65-F5344CB8AC3E}">
+        <p14:creationId xmlns:p14="http://schemas.microsoft.com/office/powerpoint/2010/main" val="520992866"/>
       </p:ext>
     </p:extLst>
   </p:cSld>
@@ -3866,11 +6078,7 @@
           <a:p>
             <a:r>
               <a:rPr lang="ko-KR" altLang="en-US" dirty="0" smtClean="0"/>
-              <a:t>디자인 패턴이란</a:t>
-            </a:r>
-            <a:r>
-              <a:rPr lang="en-US" altLang="ko-KR" dirty="0" smtClean="0"/>
-              <a:t>?</a:t>
+              <a:t>디자인 패턴의 등장</a:t>
             </a:r>
             <a:endParaRPr lang="ko-KR" altLang="en-US" dirty="0"/>
           </a:p>
@@ -3898,7 +6106,7 @@
     </p:spTree>
     <p:extLst>
       <p:ext uri="{BB962C8B-B14F-4D97-AF65-F5344CB8AC3E}">
-        <p14:creationId xmlns:p14="http://schemas.microsoft.com/office/powerpoint/2010/main" val="3361823206"/>
+        <p14:creationId xmlns:p14="http://schemas.microsoft.com/office/powerpoint/2010/main" val="474059591"/>
       </p:ext>
     </p:extLst>
   </p:cSld>
@@ -3942,12 +6150,9 @@
           <a:p>
             <a:r>
               <a:rPr lang="ko-KR" altLang="en-US" dirty="0" smtClean="0"/>
-              <a:t>디자인 패턴 범</a:t>
-            </a:r>
-            <a:r>
-              <a:rPr lang="ko-KR" altLang="en-US" dirty="0"/>
-              <a:t>주</a:t>
-            </a:r>
+              <a:t>디자인 패턴의 이점</a:t>
+            </a:r>
+            <a:endParaRPr lang="ko-KR" altLang="en-US" dirty="0"/>
           </a:p>
         </p:txBody>
       </p:sp>
@@ -3966,50 +6171,14 @@
           <a:bodyPr/>
           <a:lstStyle/>
           <a:p>
-            <a:r>
-              <a:rPr lang="ko-KR" altLang="en-US" dirty="0" smtClean="0"/>
-              <a:t>생성 패턴</a:t>
-            </a:r>
-            <a:r>
-              <a:rPr lang="en-US" altLang="ko-KR" dirty="0" smtClean="0"/>
-              <a:t>(Creational Patterns)</a:t>
-            </a:r>
-          </a:p>
-          <a:p>
-            <a:r>
-              <a:rPr lang="ko-KR" altLang="en-US" dirty="0" smtClean="0"/>
-              <a:t>구조 패턴</a:t>
-            </a:r>
-            <a:r>
-              <a:rPr lang="en-US" altLang="ko-KR" dirty="0" smtClean="0"/>
-              <a:t>(</a:t>
-            </a:r>
-            <a:r>
-              <a:rPr lang="en-US" altLang="ko-KR" dirty="0" err="1" smtClean="0"/>
-              <a:t>Structual</a:t>
-            </a:r>
-            <a:r>
-              <a:rPr lang="en-US" altLang="ko-KR" dirty="0" smtClean="0"/>
-              <a:t> Patterns)</a:t>
-            </a:r>
-          </a:p>
-          <a:p>
-            <a:r>
-              <a:rPr lang="ko-KR" altLang="en-US" dirty="0" smtClean="0"/>
-              <a:t>행위 패턴</a:t>
-            </a:r>
-            <a:r>
-              <a:rPr lang="en-US" altLang="ko-KR" dirty="0" smtClean="0"/>
-              <a:t>(Behavioral Patterns)</a:t>
-            </a:r>
-            <a:endParaRPr lang="ko-KR" altLang="en-US" dirty="0"/>
+            <a:endParaRPr lang="ko-KR" altLang="en-US"/>
           </a:p>
         </p:txBody>
       </p:sp>
     </p:spTree>
     <p:extLst>
       <p:ext uri="{BB962C8B-B14F-4D97-AF65-F5344CB8AC3E}">
-        <p14:creationId xmlns:p14="http://schemas.microsoft.com/office/powerpoint/2010/main" val="1020238596"/>
+        <p14:creationId xmlns:p14="http://schemas.microsoft.com/office/powerpoint/2010/main" val="1759414783"/>
       </p:ext>
     </p:extLst>
   </p:cSld>
@@ -4051,10 +6220,6 @@
           <a:bodyPr/>
           <a:lstStyle/>
           <a:p>
-            <a:r>
-              <a:rPr lang="ko-KR" altLang="en-US" dirty="0" smtClean="0"/>
-              <a:t>생성 패턴 종류</a:t>
-            </a:r>
             <a:endParaRPr lang="ko-KR" altLang="en-US" dirty="0"/>
           </a:p>
         </p:txBody>
@@ -4074,42 +6239,14 @@
           <a:bodyPr/>
           <a:lstStyle/>
           <a:p>
-            <a:r>
-              <a:rPr lang="en-US" altLang="ko-KR" dirty="0" smtClean="0"/>
-              <a:t>Abstract Factory</a:t>
-            </a:r>
-          </a:p>
-          <a:p>
-            <a:r>
-              <a:rPr lang="en-US" altLang="ko-KR" dirty="0" smtClean="0"/>
-              <a:t>Builder</a:t>
-            </a:r>
-          </a:p>
-          <a:p>
-            <a:r>
-              <a:rPr lang="en-US" altLang="ko-KR" dirty="0" smtClean="0"/>
-              <a:t>Factory Method</a:t>
-            </a:r>
-          </a:p>
-          <a:p>
-            <a:r>
-              <a:rPr lang="en-US" altLang="ko-KR" dirty="0" smtClean="0"/>
-              <a:t>Prototype</a:t>
-            </a:r>
-          </a:p>
-          <a:p>
-            <a:r>
-              <a:rPr lang="en-US" altLang="ko-KR" dirty="0" smtClean="0"/>
-              <a:t>Singleton</a:t>
-            </a:r>
-            <a:endParaRPr lang="ko-KR" altLang="en-US" dirty="0"/>
+            <a:endParaRPr lang="ko-KR" altLang="en-US"/>
           </a:p>
         </p:txBody>
       </p:sp>
     </p:spTree>
     <p:extLst>
       <p:ext uri="{BB962C8B-B14F-4D97-AF65-F5344CB8AC3E}">
-        <p14:creationId xmlns:p14="http://schemas.microsoft.com/office/powerpoint/2010/main" val="1366177308"/>
+        <p14:creationId xmlns:p14="http://schemas.microsoft.com/office/powerpoint/2010/main" val="4270355172"/>
       </p:ext>
     </p:extLst>
   </p:cSld>
@@ -4153,7 +6290,11 @@
           <a:p>
             <a:r>
               <a:rPr lang="ko-KR" altLang="en-US" dirty="0" smtClean="0"/>
-              <a:t>구조 패턴</a:t>
+              <a:t>디자인 패턴이란</a:t>
+            </a:r>
+            <a:r>
+              <a:rPr lang="en-US" altLang="ko-KR" dirty="0" smtClean="0"/>
+              <a:t>?</a:t>
             </a:r>
             <a:endParaRPr lang="ko-KR" altLang="en-US" dirty="0"/>
           </a:p>
@@ -4175,44 +6316,21 @@
           <a:lstStyle/>
           <a:p>
             <a:r>
+              <a:rPr lang="ko-KR" altLang="en-US" dirty="0" smtClean="0"/>
+              <a:t>소프트웨어에서 디자인 패턴의 개념은</a:t>
+            </a:r>
+          </a:p>
+          <a:p>
+            <a:pPr marL="0" indent="0">
+              <a:buNone/>
+            </a:pPr>
+            <a:r>
+              <a:rPr lang="ko-KR" altLang="en-US" dirty="0" smtClean="0"/>
+              <a:t>숙련된 설계자들의 경험을 다른 개발자를 도와 줄 수 있는 해법으로 만든 것이다</a:t>
+            </a:r>
+            <a:r>
               <a:rPr lang="en-US" altLang="ko-KR" dirty="0" smtClean="0"/>
-              <a:t>Adapter</a:t>
-            </a:r>
-          </a:p>
-          <a:p>
-            <a:r>
-              <a:rPr lang="en-US" altLang="ko-KR" dirty="0" smtClean="0"/>
-              <a:t>Bridge</a:t>
-            </a:r>
-          </a:p>
-          <a:p>
-            <a:r>
-              <a:rPr lang="en-US" altLang="ko-KR" dirty="0" smtClean="0"/>
-              <a:t>Composite</a:t>
-            </a:r>
-          </a:p>
-          <a:p>
-            <a:r>
-              <a:rPr lang="en-US" altLang="ko-KR" dirty="0" smtClean="0"/>
-              <a:t>Decorator</a:t>
-            </a:r>
-          </a:p>
-          <a:p>
-            <a:r>
-              <a:rPr lang="en-US" altLang="ko-KR" dirty="0" smtClean="0"/>
-              <a:t>Façade</a:t>
-            </a:r>
-          </a:p>
-          <a:p>
-            <a:r>
-              <a:rPr lang="en-US" altLang="ko-KR" dirty="0" smtClean="0"/>
-              <a:t>Flyweight</a:t>
-            </a:r>
-          </a:p>
-          <a:p>
-            <a:r>
-              <a:rPr lang="en-US" altLang="ko-KR" dirty="0" smtClean="0"/>
-              <a:t>Proxy</a:t>
+              <a:t>.</a:t>
             </a:r>
             <a:endParaRPr lang="ko-KR" altLang="en-US" dirty="0"/>
           </a:p>
@@ -4221,7 +6339,7 @@
     </p:spTree>
     <p:extLst>
       <p:ext uri="{BB962C8B-B14F-4D97-AF65-F5344CB8AC3E}">
-        <p14:creationId xmlns:p14="http://schemas.microsoft.com/office/powerpoint/2010/main" val="3439763138"/>
+        <p14:creationId xmlns:p14="http://schemas.microsoft.com/office/powerpoint/2010/main" val="3361823206"/>
       </p:ext>
     </p:extLst>
   </p:cSld>
@@ -4265,86 +6383,65 @@
           <a:p>
             <a:r>
               <a:rPr lang="ko-KR" altLang="en-US" dirty="0" smtClean="0"/>
+              <a:t>디자인 패턴 범</a:t>
+            </a:r>
+            <a:r>
+              <a:rPr lang="ko-KR" altLang="en-US" dirty="0"/>
+              <a:t>주</a:t>
+            </a:r>
+          </a:p>
+        </p:txBody>
+      </p:sp>
+      <p:sp>
+        <p:nvSpPr>
+          <p:cNvPr id="3" name="내용 개체 틀 2"/>
+          <p:cNvSpPr>
+            <a:spLocks noGrp="1"/>
+          </p:cNvSpPr>
+          <p:nvPr>
+            <p:ph idx="1"/>
+          </p:nvPr>
+        </p:nvSpPr>
+        <p:spPr/>
+        <p:txBody>
+          <a:bodyPr/>
+          <a:lstStyle/>
+          <a:p>
+            <a:r>
+              <a:rPr lang="ko-KR" altLang="en-US" dirty="0" smtClean="0"/>
+              <a:t>생성 패턴</a:t>
+            </a:r>
+            <a:r>
+              <a:rPr lang="en-US" altLang="ko-KR" dirty="0" smtClean="0"/>
+              <a:t>(Creational Patterns)</a:t>
+            </a:r>
+          </a:p>
+          <a:p>
+            <a:r>
+              <a:rPr lang="ko-KR" altLang="en-US" dirty="0" smtClean="0"/>
+              <a:t>구조 패턴</a:t>
+            </a:r>
+            <a:r>
+              <a:rPr lang="en-US" altLang="ko-KR" dirty="0" smtClean="0"/>
+              <a:t>(</a:t>
+            </a:r>
+            <a:r>
+              <a:rPr lang="en-US" altLang="ko-KR" dirty="0" err="1" smtClean="0"/>
+              <a:t>Structual</a:t>
+            </a:r>
+            <a:r>
+              <a:rPr lang="en-US" altLang="ko-KR" dirty="0" smtClean="0"/>
+              <a:t> Patterns)</a:t>
+            </a:r>
+          </a:p>
+          <a:p>
+            <a:r>
+              <a:rPr lang="ko-KR" altLang="en-US" dirty="0" smtClean="0"/>
               <a:t>행위 패턴</a:t>
             </a:r>
-            <a:endParaRPr lang="ko-KR" altLang="en-US" dirty="0"/>
-          </a:p>
-        </p:txBody>
-      </p:sp>
-      <p:sp>
-        <p:nvSpPr>
-          <p:cNvPr id="3" name="내용 개체 틀 2"/>
-          <p:cNvSpPr>
-            <a:spLocks noGrp="1"/>
-          </p:cNvSpPr>
-          <p:nvPr>
-            <p:ph idx="1"/>
-          </p:nvPr>
-        </p:nvSpPr>
-        <p:spPr/>
-        <p:txBody>
-          <a:bodyPr>
-            <a:normAutofit fontScale="85000" lnSpcReduction="20000"/>
-          </a:bodyPr>
-          <a:lstStyle/>
-          <a:p>
             <a:r>
               <a:rPr lang="en-US" altLang="ko-KR" dirty="0" smtClean="0"/>
-              <a:t>Chain of Responsibility</a:t>
-            </a:r>
-          </a:p>
-          <a:p>
-            <a:r>
-              <a:rPr lang="en-US" altLang="ko-KR" dirty="0" smtClean="0"/>
-              <a:t>Command</a:t>
-            </a:r>
-          </a:p>
-          <a:p>
-            <a:r>
-              <a:rPr lang="en-US" altLang="ko-KR" dirty="0" smtClean="0"/>
-              <a:t>Interpreter</a:t>
-            </a:r>
-          </a:p>
-          <a:p>
-            <a:r>
-              <a:rPr lang="en-US" altLang="ko-KR" dirty="0" smtClean="0"/>
-              <a:t>Mediator</a:t>
-            </a:r>
-          </a:p>
-          <a:p>
-            <a:r>
-              <a:rPr lang="en-US" altLang="ko-KR" dirty="0" smtClean="0"/>
-              <a:t>Memento</a:t>
-            </a:r>
-          </a:p>
-          <a:p>
-            <a:r>
-              <a:rPr lang="en-US" altLang="ko-KR" dirty="0" smtClean="0"/>
-              <a:t>Observer</a:t>
-            </a:r>
-          </a:p>
-          <a:p>
-            <a:r>
-              <a:rPr lang="en-US" altLang="ko-KR" dirty="0" smtClean="0"/>
-              <a:t>State</a:t>
-            </a:r>
-          </a:p>
-          <a:p>
-            <a:r>
-              <a:rPr lang="en-US" altLang="ko-KR" dirty="0" smtClean="0"/>
-              <a:t>Strategy</a:t>
-            </a:r>
-          </a:p>
-          <a:p>
-            <a:r>
-              <a:rPr lang="en-US" altLang="ko-KR" dirty="0" smtClean="0"/>
-              <a:t>Template Method</a:t>
-            </a:r>
-          </a:p>
-          <a:p>
-            <a:r>
-              <a:rPr lang="en-US" altLang="ko-KR" dirty="0" smtClean="0"/>
-              <a:t>Visitor</a:t>
+              <a:t>(Behavioral Patterns)</a:t>
             </a:r>
             <a:endParaRPr lang="ko-KR" altLang="en-US" dirty="0"/>
           </a:p>
@@ -4353,7 +6450,7 @@
     </p:spTree>
     <p:extLst>
       <p:ext uri="{BB962C8B-B14F-4D97-AF65-F5344CB8AC3E}">
-        <p14:creationId xmlns:p14="http://schemas.microsoft.com/office/powerpoint/2010/main" val="2323134947"/>
+        <p14:creationId xmlns:p14="http://schemas.microsoft.com/office/powerpoint/2010/main" val="1020238596"/>
       </p:ext>
     </p:extLst>
   </p:cSld>
@@ -4396,40 +6493,64 @@
           <a:lstStyle/>
           <a:p>
             <a:r>
+              <a:rPr lang="ko-KR" altLang="en-US" dirty="0" smtClean="0"/>
+              <a:t>생성 패턴 종류</a:t>
+            </a:r>
+            <a:endParaRPr lang="ko-KR" altLang="en-US" dirty="0"/>
+          </a:p>
+        </p:txBody>
+      </p:sp>
+      <p:sp>
+        <p:nvSpPr>
+          <p:cNvPr id="3" name="내용 개체 틀 2"/>
+          <p:cNvSpPr>
+            <a:spLocks noGrp="1"/>
+          </p:cNvSpPr>
+          <p:nvPr>
+            <p:ph idx="1"/>
+          </p:nvPr>
+        </p:nvSpPr>
+        <p:spPr/>
+        <p:txBody>
+          <a:bodyPr/>
+          <a:lstStyle/>
+          <a:p>
+            <a:r>
               <a:rPr lang="en-US" altLang="ko-KR" dirty="0" smtClean="0"/>
-              <a:t>Strategy </a:t>
-            </a:r>
-            <a:r>
-              <a:rPr lang="ko-KR" altLang="en-US" dirty="0" smtClean="0"/>
-              <a:t>패턴</a:t>
+              <a:t>Abstract Factory</a:t>
+            </a:r>
+          </a:p>
+          <a:p>
+            <a:r>
+              <a:rPr lang="en-US" altLang="ko-KR" dirty="0" smtClean="0"/>
+              <a:t>Builder</a:t>
+            </a:r>
+          </a:p>
+          <a:p>
+            <a:r>
+              <a:rPr lang="en-US" altLang="ko-KR" dirty="0" smtClean="0"/>
+              <a:t>Factory Method</a:t>
+            </a:r>
+          </a:p>
+          <a:p>
+            <a:r>
+              <a:rPr lang="en-US" altLang="ko-KR" dirty="0" smtClean="0"/>
+              <a:t>Prototype</a:t>
+            </a:r>
+          </a:p>
+          <a:p>
+            <a:r>
+              <a:rPr lang="en-US" altLang="ko-KR" dirty="0" smtClean="0"/>
+              <a:t>Singleton</a:t>
             </a:r>
             <a:endParaRPr lang="ko-KR" altLang="en-US" dirty="0"/>
-          </a:p>
-        </p:txBody>
-      </p:sp>
-      <p:sp>
-        <p:nvSpPr>
-          <p:cNvPr id="3" name="내용 개체 틀 2"/>
-          <p:cNvSpPr>
-            <a:spLocks noGrp="1"/>
-          </p:cNvSpPr>
-          <p:nvPr>
-            <p:ph idx="1"/>
-          </p:nvPr>
-        </p:nvSpPr>
-        <p:spPr/>
-        <p:txBody>
-          <a:bodyPr/>
-          <a:lstStyle/>
-          <a:p>
-            <a:endParaRPr lang="ko-KR" altLang="en-US"/>
           </a:p>
         </p:txBody>
       </p:sp>
     </p:spTree>
     <p:extLst>
       <p:ext uri="{BB962C8B-B14F-4D97-AF65-F5344CB8AC3E}">
-        <p14:creationId xmlns:p14="http://schemas.microsoft.com/office/powerpoint/2010/main" val="2702476984"/>
+        <p14:creationId xmlns:p14="http://schemas.microsoft.com/office/powerpoint/2010/main" val="1366177308"/>
       </p:ext>
     </p:extLst>
   </p:cSld>
@@ -4472,40 +6593,76 @@
           <a:lstStyle/>
           <a:p>
             <a:r>
+              <a:rPr lang="ko-KR" altLang="en-US" dirty="0" smtClean="0"/>
+              <a:t>구조 패턴</a:t>
+            </a:r>
+            <a:endParaRPr lang="ko-KR" altLang="en-US" dirty="0"/>
+          </a:p>
+        </p:txBody>
+      </p:sp>
+      <p:sp>
+        <p:nvSpPr>
+          <p:cNvPr id="3" name="내용 개체 틀 2"/>
+          <p:cNvSpPr>
+            <a:spLocks noGrp="1"/>
+          </p:cNvSpPr>
+          <p:nvPr>
+            <p:ph idx="1"/>
+          </p:nvPr>
+        </p:nvSpPr>
+        <p:spPr/>
+        <p:txBody>
+          <a:bodyPr/>
+          <a:lstStyle/>
+          <a:p>
+            <a:r>
               <a:rPr lang="en-US" altLang="ko-KR" dirty="0" smtClean="0"/>
-              <a:t>Template Method </a:t>
-            </a:r>
-            <a:r>
-              <a:rPr lang="ko-KR" altLang="en-US" dirty="0" smtClean="0"/>
-              <a:t>패턴</a:t>
+              <a:t>Adapter</a:t>
+            </a:r>
+          </a:p>
+          <a:p>
+            <a:r>
+              <a:rPr lang="en-US" altLang="ko-KR" dirty="0" smtClean="0"/>
+              <a:t>Bridge</a:t>
+            </a:r>
+          </a:p>
+          <a:p>
+            <a:r>
+              <a:rPr lang="en-US" altLang="ko-KR" dirty="0" smtClean="0"/>
+              <a:t>Composite</a:t>
+            </a:r>
+          </a:p>
+          <a:p>
+            <a:r>
+              <a:rPr lang="en-US" altLang="ko-KR" dirty="0" smtClean="0"/>
+              <a:t>Decorator</a:t>
+            </a:r>
+          </a:p>
+          <a:p>
+            <a:r>
+              <a:rPr lang="en-US" altLang="ko-KR" dirty="0" smtClean="0"/>
+              <a:t>Façade</a:t>
+            </a:r>
+          </a:p>
+          <a:p>
+            <a:r>
+              <a:rPr lang="en-US" altLang="ko-KR" dirty="0" smtClean="0"/>
+              <a:t>Flyweight</a:t>
+            </a:r>
+          </a:p>
+          <a:p>
+            <a:r>
+              <a:rPr lang="en-US" altLang="ko-KR" dirty="0" smtClean="0"/>
+              <a:t>Proxy</a:t>
             </a:r>
             <a:endParaRPr lang="ko-KR" altLang="en-US" dirty="0"/>
-          </a:p>
-        </p:txBody>
-      </p:sp>
-      <p:sp>
-        <p:nvSpPr>
-          <p:cNvPr id="3" name="내용 개체 틀 2"/>
-          <p:cNvSpPr>
-            <a:spLocks noGrp="1"/>
-          </p:cNvSpPr>
-          <p:nvPr>
-            <p:ph idx="1"/>
-          </p:nvPr>
-        </p:nvSpPr>
-        <p:spPr/>
-        <p:txBody>
-          <a:bodyPr/>
-          <a:lstStyle/>
-          <a:p>
-            <a:endParaRPr lang="ko-KR" altLang="en-US"/>
           </a:p>
         </p:txBody>
       </p:sp>
     </p:spTree>
     <p:extLst>
       <p:ext uri="{BB962C8B-B14F-4D97-AF65-F5344CB8AC3E}">
-        <p14:creationId xmlns:p14="http://schemas.microsoft.com/office/powerpoint/2010/main" val="3862501619"/>
+        <p14:creationId xmlns:p14="http://schemas.microsoft.com/office/powerpoint/2010/main" val="3439763138"/>
       </p:ext>
     </p:extLst>
   </p:cSld>
@@ -4548,40 +6705,96 @@
           <a:lstStyle/>
           <a:p>
             <a:r>
+              <a:rPr lang="ko-KR" altLang="en-US" dirty="0" smtClean="0"/>
+              <a:t>행위 패턴</a:t>
+            </a:r>
+            <a:endParaRPr lang="ko-KR" altLang="en-US" dirty="0"/>
+          </a:p>
+        </p:txBody>
+      </p:sp>
+      <p:sp>
+        <p:nvSpPr>
+          <p:cNvPr id="3" name="내용 개체 틀 2"/>
+          <p:cNvSpPr>
+            <a:spLocks noGrp="1"/>
+          </p:cNvSpPr>
+          <p:nvPr>
+            <p:ph idx="1"/>
+          </p:nvPr>
+        </p:nvSpPr>
+        <p:spPr/>
+        <p:txBody>
+          <a:bodyPr>
+            <a:normAutofit fontScale="85000" lnSpcReduction="20000"/>
+          </a:bodyPr>
+          <a:lstStyle/>
+          <a:p>
+            <a:r>
               <a:rPr lang="en-US" altLang="ko-KR" dirty="0" smtClean="0"/>
-              <a:t>Builder </a:t>
-            </a:r>
-            <a:r>
-              <a:rPr lang="ko-KR" altLang="en-US" dirty="0" smtClean="0"/>
-              <a:t>패턴</a:t>
+              <a:t>Chain of Responsibility</a:t>
+            </a:r>
+          </a:p>
+          <a:p>
+            <a:r>
+              <a:rPr lang="en-US" altLang="ko-KR" dirty="0" smtClean="0"/>
+              <a:t>Command</a:t>
+            </a:r>
+          </a:p>
+          <a:p>
+            <a:r>
+              <a:rPr lang="en-US" altLang="ko-KR" dirty="0" smtClean="0"/>
+              <a:t>Interpreter</a:t>
+            </a:r>
+          </a:p>
+          <a:p>
+            <a:r>
+              <a:rPr lang="en-US" altLang="ko-KR" dirty="0" smtClean="0"/>
+              <a:t>Mediator</a:t>
+            </a:r>
+          </a:p>
+          <a:p>
+            <a:r>
+              <a:rPr lang="en-US" altLang="ko-KR" dirty="0" smtClean="0"/>
+              <a:t>Memento</a:t>
+            </a:r>
+          </a:p>
+          <a:p>
+            <a:r>
+              <a:rPr lang="en-US" altLang="ko-KR" dirty="0" smtClean="0"/>
+              <a:t>Observer</a:t>
+            </a:r>
+          </a:p>
+          <a:p>
+            <a:r>
+              <a:rPr lang="en-US" altLang="ko-KR" dirty="0" smtClean="0"/>
+              <a:t>State</a:t>
+            </a:r>
+          </a:p>
+          <a:p>
+            <a:r>
+              <a:rPr lang="en-US" altLang="ko-KR" dirty="0" smtClean="0"/>
+              <a:t>Strategy</a:t>
+            </a:r>
+          </a:p>
+          <a:p>
+            <a:r>
+              <a:rPr lang="en-US" altLang="ko-KR" dirty="0" smtClean="0"/>
+              <a:t>Template Method</a:t>
+            </a:r>
+          </a:p>
+          <a:p>
+            <a:r>
+              <a:rPr lang="en-US" altLang="ko-KR" dirty="0" smtClean="0"/>
+              <a:t>Visitor</a:t>
             </a:r>
             <a:endParaRPr lang="ko-KR" altLang="en-US" dirty="0"/>
-          </a:p>
-        </p:txBody>
-      </p:sp>
-      <p:sp>
-        <p:nvSpPr>
-          <p:cNvPr id="3" name="내용 개체 틀 2"/>
-          <p:cNvSpPr>
-            <a:spLocks noGrp="1"/>
-          </p:cNvSpPr>
-          <p:nvPr>
-            <p:ph idx="1"/>
-          </p:nvPr>
-        </p:nvSpPr>
-        <p:spPr/>
-        <p:txBody>
-          <a:bodyPr/>
-          <a:lstStyle/>
-          <a:p>
-            <a:endParaRPr lang="ko-KR" altLang="en-US"/>
           </a:p>
         </p:txBody>
       </p:sp>
     </p:spTree>
     <p:extLst>
       <p:ext uri="{BB962C8B-B14F-4D97-AF65-F5344CB8AC3E}">
-        <p14:creationId xmlns:p14="http://schemas.microsoft.com/office/powerpoint/2010/main" val="3740439118"/>
+        <p14:creationId xmlns:p14="http://schemas.microsoft.com/office/powerpoint/2010/main" val="2323134947"/>
       </p:ext>
     </p:extLst>
   </p:cSld>
